--- a/slides/Lecture_12.pptx
+++ b/slides/Lecture_12.pptx
@@ -312,7 +312,7 @@
       </p15:sldGuideLst>
     </p:ext>
     <p:ext uri="http://customooxmlschemas.google.com/">
-      <go:slidesCustomData xmlns:go="http://customooxmlschemas.google.com/" r:id="rId13" roundtripDataSignature="AMtx7mgfqDpBjrrN/EgdppbE8Vmj1xh+Xw=="/>
+      <go:slidesCustomData xmlns:go="http://customooxmlschemas.google.com/" r:id="rId13" roundtripDataSignature="AMtx7miouU4MfMxFSIDlxD111T0YwwQE7g=="/>
     </p:ext>
   </p:extLst>
 </p:presentation>
@@ -1005,7 +1005,7 @@
   <p:cSld>
     <p:spTree>
       <p:nvGrpSpPr>
-        <p:cNvPr id="57" name="Shape 57"/>
+        <p:cNvPr id="58" name="Shape 58"/>
         <p:cNvGrpSpPr/>
         <p:nvPr/>
       </p:nvGrpSpPr>
@@ -1019,7 +1019,7 @@
       </p:grpSpPr>
       <p:sp>
         <p:nvSpPr>
-          <p:cNvPr id="58" name="Google Shape;58;g103e8bb3d9b_0_0:notes"/>
+          <p:cNvPr id="59" name="Google Shape;59;g103e8bb3d9b_0_0:notes"/>
           <p:cNvSpPr/>
           <p:nvPr>
             <p:ph idx="2" type="sldImg"/>
@@ -1064,7 +1064,7 @@
       </p:sp>
       <p:sp>
         <p:nvSpPr>
-          <p:cNvPr id="59" name="Google Shape;59;g103e8bb3d9b_0_0:notes"/>
+          <p:cNvPr id="60" name="Google Shape;60;g103e8bb3d9b_0_0:notes"/>
           <p:cNvSpPr txBox="1"/>
           <p:nvPr>
             <p:ph idx="1" type="body"/>
@@ -1122,7 +1122,7 @@
   <p:cSld>
     <p:spTree>
       <p:nvGrpSpPr>
-        <p:cNvPr id="63" name="Shape 63"/>
+        <p:cNvPr id="65" name="Shape 65"/>
         <p:cNvGrpSpPr/>
         <p:nvPr/>
       </p:nvGrpSpPr>
@@ -1136,7 +1136,7 @@
       </p:grpSpPr>
       <p:sp>
         <p:nvSpPr>
-          <p:cNvPr id="64" name="Google Shape;64;g10cc429f828_0_66:notes"/>
+          <p:cNvPr id="66" name="Google Shape;66;g10cc429f828_0_66:notes"/>
           <p:cNvSpPr/>
           <p:nvPr>
             <p:ph idx="2" type="sldImg"/>
@@ -1181,7 +1181,7 @@
       </p:sp>
       <p:sp>
         <p:nvSpPr>
-          <p:cNvPr id="65" name="Google Shape;65;g10cc429f828_0_66:notes"/>
+          <p:cNvPr id="67" name="Google Shape;67;g10cc429f828_0_66:notes"/>
           <p:cNvSpPr txBox="1"/>
           <p:nvPr>
             <p:ph idx="1" type="body"/>
@@ -1239,7 +1239,7 @@
   <p:cSld>
     <p:spTree>
       <p:nvGrpSpPr>
-        <p:cNvPr id="72" name="Shape 72"/>
+        <p:cNvPr id="75" name="Shape 75"/>
         <p:cNvGrpSpPr/>
         <p:nvPr/>
       </p:nvGrpSpPr>
@@ -1253,7 +1253,7 @@
       </p:grpSpPr>
       <p:sp>
         <p:nvSpPr>
-          <p:cNvPr id="73" name="Google Shape;73;g10cea81d82c_0_0:notes"/>
+          <p:cNvPr id="76" name="Google Shape;76;g10cea81d82c_0_0:notes"/>
           <p:cNvSpPr/>
           <p:nvPr>
             <p:ph idx="2" type="sldImg"/>
@@ -1298,7 +1298,7 @@
       </p:sp>
       <p:sp>
         <p:nvSpPr>
-          <p:cNvPr id="74" name="Google Shape;74;g10cea81d82c_0_0:notes"/>
+          <p:cNvPr id="77" name="Google Shape;77;g10cea81d82c_0_0:notes"/>
           <p:cNvSpPr txBox="1"/>
           <p:nvPr>
             <p:ph idx="1" type="body"/>
@@ -1356,7 +1356,7 @@
   <p:cSld>
     <p:spTree>
       <p:nvGrpSpPr>
-        <p:cNvPr id="83" name="Shape 83"/>
+        <p:cNvPr id="87" name="Shape 87"/>
         <p:cNvGrpSpPr/>
         <p:nvPr/>
       </p:nvGrpSpPr>
@@ -1370,7 +1370,7 @@
       </p:grpSpPr>
       <p:sp>
         <p:nvSpPr>
-          <p:cNvPr id="84" name="Google Shape;84;g10adc5e3a03_0_37:notes"/>
+          <p:cNvPr id="88" name="Google Shape;88;g10adc5e3a03_0_37:notes"/>
           <p:cNvSpPr/>
           <p:nvPr>
             <p:ph idx="2" type="sldImg"/>
@@ -1415,7 +1415,7 @@
       </p:sp>
       <p:sp>
         <p:nvSpPr>
-          <p:cNvPr id="85" name="Google Shape;85;g10adc5e3a03_0_37:notes"/>
+          <p:cNvPr id="89" name="Google Shape;89;g10adc5e3a03_0_37:notes"/>
           <p:cNvSpPr txBox="1"/>
           <p:nvPr>
             <p:ph idx="1" type="body"/>
@@ -1473,7 +1473,7 @@
   <p:cSld>
     <p:spTree>
       <p:nvGrpSpPr>
-        <p:cNvPr id="102" name="Shape 102"/>
+        <p:cNvPr id="107" name="Shape 107"/>
         <p:cNvGrpSpPr/>
         <p:nvPr/>
       </p:nvGrpSpPr>
@@ -1487,7 +1487,7 @@
       </p:grpSpPr>
       <p:sp>
         <p:nvSpPr>
-          <p:cNvPr id="103" name="Google Shape;103;g10adc5e3a03_0_14:notes"/>
+          <p:cNvPr id="108" name="Google Shape;108;g10adc5e3a03_0_14:notes"/>
           <p:cNvSpPr/>
           <p:nvPr>
             <p:ph idx="2" type="sldImg"/>
@@ -1532,7 +1532,7 @@
       </p:sp>
       <p:sp>
         <p:nvSpPr>
-          <p:cNvPr id="104" name="Google Shape;104;g10adc5e3a03_0_14:notes"/>
+          <p:cNvPr id="109" name="Google Shape;109;g10adc5e3a03_0_14:notes"/>
           <p:cNvSpPr txBox="1"/>
           <p:nvPr>
             <p:ph idx="1" type="body"/>
@@ -9489,12 +9489,75 @@
                   <a:srgbClr val="6AA84F"/>
                 </a:solidFill>
               </a:rPr>
-              <a:t>3</a:t>
+              <a:t>2</a:t>
             </a:r>
             <a:endParaRPr sz="1600">
               <a:solidFill>
                 <a:srgbClr val="6AA84F"/>
               </a:solidFill>
+            </a:endParaRPr>
+          </a:p>
+        </p:txBody>
+      </p:sp>
+      <p:sp>
+        <p:nvSpPr>
+          <p:cNvPr id="57" name="Google Shape;57;p1"/>
+          <p:cNvSpPr/>
+          <p:nvPr/>
+        </p:nvSpPr>
+        <p:spPr>
+          <a:xfrm>
+            <a:off x="16050" y="24750"/>
+            <a:ext cx="9111900" cy="5094000"/>
+          </a:xfrm>
+          <a:prstGeom prst="rect">
+            <a:avLst/>
+          </a:prstGeom>
+          <a:noFill/>
+          <a:ln cap="flat" cmpd="sng" w="9525">
+            <a:solidFill>
+              <a:srgbClr val="1155CC"/>
+            </a:solidFill>
+            <a:prstDash val="solid"/>
+            <a:round/>
+            <a:headEnd len="sm" w="sm" type="none"/>
+            <a:tailEnd len="sm" w="sm" type="none"/>
+          </a:ln>
+        </p:spPr>
+        <p:txBody>
+          <a:bodyPr anchorCtr="0" anchor="ctr" bIns="91425" lIns="91425" spcFirstLastPara="1" rIns="91425" wrap="square" tIns="91425">
+            <a:noAutofit/>
+          </a:bodyPr>
+          <a:lstStyle/>
+          <a:p>
+            <a:pPr indent="0" lvl="0" marL="0" marR="0" rtl="0" algn="l">
+              <a:lnSpc>
+                <a:spcPct val="100000"/>
+              </a:lnSpc>
+              <a:spcBef>
+                <a:spcPts val="0"/>
+              </a:spcBef>
+              <a:spcAft>
+                <a:spcPts val="0"/>
+              </a:spcAft>
+              <a:buClr>
+                <a:srgbClr val="000000"/>
+              </a:buClr>
+              <a:buSzPts val="1400"/>
+              <a:buFont typeface="Arial"/>
+              <a:buNone/>
+            </a:pPr>
+            <a:r>
+              <a:t/>
+            </a:r>
+            <a:endParaRPr b="0" i="0" sz="1400" u="none" cap="none" strike="noStrike">
+              <a:solidFill>
+                <a:srgbClr val="000000"/>
+              </a:solidFill>
+              <a:latin typeface="Arial"/>
+              <a:ea typeface="Arial"/>
+              <a:cs typeface="Arial"/>
+              <a:sym typeface="Arial"/>
             </a:endParaRPr>
           </a:p>
         </p:txBody>
@@ -9512,7 +9575,7 @@
   <p:cSld>
     <p:spTree>
       <p:nvGrpSpPr>
-        <p:cNvPr id="60" name="Shape 60"/>
+        <p:cNvPr id="61" name="Shape 61"/>
         <p:cNvGrpSpPr/>
         <p:nvPr/>
       </p:nvGrpSpPr>
@@ -9526,7 +9589,7 @@
       </p:grpSpPr>
       <p:graphicFrame>
         <p:nvGraphicFramePr>
-          <p:cNvPr id="61" name="Google Shape;61;g103e8bb3d9b_0_0"/>
+          <p:cNvPr id="62" name="Google Shape;62;g103e8bb3d9b_0_0"/>
           <p:cNvGraphicFramePr/>
           <p:nvPr/>
         </p:nvGraphicFramePr>
@@ -9539,7 +9602,7 @@
             <a:tbl>
               <a:tblPr>
                 <a:noFill/>
-                <a:tableStyleId>{50F55A1B-2660-487D-85D2-F22D14390B85}</a:tableStyleId>
+                <a:tableStyleId>{6D9CAF62-F89D-41CD-9C6B-0CAC375522BA}</a:tableStyleId>
               </a:tblPr>
               <a:tblGrid>
                 <a:gridCol w="3666300"/>
@@ -9894,7 +9957,7 @@
       </p:graphicFrame>
       <p:sp>
         <p:nvSpPr>
-          <p:cNvPr id="62" name="Google Shape;62;g103e8bb3d9b_0_0"/>
+          <p:cNvPr id="63" name="Google Shape;63;g103e8bb3d9b_0_0"/>
           <p:cNvSpPr txBox="1"/>
           <p:nvPr/>
         </p:nvSpPr>
@@ -9958,6 +10021,69 @@
           </a:p>
         </p:txBody>
       </p:sp>
+      <p:sp>
+        <p:nvSpPr>
+          <p:cNvPr id="64" name="Google Shape;64;g103e8bb3d9b_0_0"/>
+          <p:cNvSpPr/>
+          <p:nvPr/>
+        </p:nvSpPr>
+        <p:spPr>
+          <a:xfrm>
+            <a:off x="16050" y="24750"/>
+            <a:ext cx="9111900" cy="5094000"/>
+          </a:xfrm>
+          <a:prstGeom prst="rect">
+            <a:avLst/>
+          </a:prstGeom>
+          <a:noFill/>
+          <a:ln cap="flat" cmpd="sng" w="9525">
+            <a:solidFill>
+              <a:srgbClr val="1155CC"/>
+            </a:solidFill>
+            <a:prstDash val="solid"/>
+            <a:round/>
+            <a:headEnd len="sm" w="sm" type="none"/>
+            <a:tailEnd len="sm" w="sm" type="none"/>
+          </a:ln>
+        </p:spPr>
+        <p:txBody>
+          <a:bodyPr anchorCtr="0" anchor="ctr" bIns="91425" lIns="91425" spcFirstLastPara="1" rIns="91425" wrap="square" tIns="91425">
+            <a:noAutofit/>
+          </a:bodyPr>
+          <a:lstStyle/>
+          <a:p>
+            <a:pPr indent="0" lvl="0" marL="0" marR="0" rtl="0" algn="l">
+              <a:lnSpc>
+                <a:spcPct val="100000"/>
+              </a:lnSpc>
+              <a:spcBef>
+                <a:spcPts val="0"/>
+              </a:spcBef>
+              <a:spcAft>
+                <a:spcPts val="0"/>
+              </a:spcAft>
+              <a:buClr>
+                <a:srgbClr val="000000"/>
+              </a:buClr>
+              <a:buSzPts val="1400"/>
+              <a:buFont typeface="Arial"/>
+              <a:buNone/>
+            </a:pPr>
+            <a:r>
+              <a:t/>
+            </a:r>
+            <a:endParaRPr b="0" i="0" sz="1400" u="none" cap="none" strike="noStrike">
+              <a:solidFill>
+                <a:srgbClr val="000000"/>
+              </a:solidFill>
+              <a:latin typeface="Arial"/>
+              <a:ea typeface="Arial"/>
+              <a:cs typeface="Arial"/>
+              <a:sym typeface="Arial"/>
+            </a:endParaRPr>
+          </a:p>
+        </p:txBody>
+      </p:sp>
     </p:spTree>
   </p:cSld>
   <p:clrMapOvr>
@@ -9971,7 +10097,7 @@
   <p:cSld>
     <p:spTree>
       <p:nvGrpSpPr>
-        <p:cNvPr id="66" name="Shape 66"/>
+        <p:cNvPr id="68" name="Shape 68"/>
         <p:cNvGrpSpPr/>
         <p:nvPr/>
       </p:nvGrpSpPr>
@@ -9985,7 +10111,7 @@
       </p:grpSpPr>
       <p:sp>
         <p:nvSpPr>
-          <p:cNvPr id="67" name="Google Shape;67;g10cc429f828_0_66"/>
+          <p:cNvPr id="69" name="Google Shape;69;g10cc429f828_0_66"/>
           <p:cNvSpPr txBox="1"/>
           <p:nvPr/>
         </p:nvSpPr>
@@ -10051,7 +10177,7 @@
       </p:sp>
       <p:sp>
         <p:nvSpPr>
-          <p:cNvPr id="68" name="Google Shape;68;g10cc429f828_0_66"/>
+          <p:cNvPr id="70" name="Google Shape;70;g10cc429f828_0_66"/>
           <p:cNvSpPr txBox="1"/>
           <p:nvPr/>
         </p:nvSpPr>
@@ -10197,7 +10323,7 @@
       </p:sp>
       <p:sp>
         <p:nvSpPr>
-          <p:cNvPr id="69" name="Google Shape;69;g10cc429f828_0_66"/>
+          <p:cNvPr id="71" name="Google Shape;71;g10cc429f828_0_66"/>
           <p:cNvSpPr txBox="1"/>
           <p:nvPr/>
         </p:nvSpPr>
@@ -10263,7 +10389,7 @@
       </p:sp>
       <p:sp>
         <p:nvSpPr>
-          <p:cNvPr id="70" name="Google Shape;70;g10cc429f828_0_66"/>
+          <p:cNvPr id="72" name="Google Shape;72;g10cc429f828_0_66"/>
           <p:cNvSpPr txBox="1"/>
           <p:nvPr/>
         </p:nvSpPr>
@@ -10409,7 +10535,7 @@
       </p:sp>
       <p:sp>
         <p:nvSpPr>
-          <p:cNvPr id="71" name="Google Shape;71;g10cc429f828_0_66"/>
+          <p:cNvPr id="73" name="Google Shape;73;g10cc429f828_0_66"/>
           <p:cNvSpPr txBox="1"/>
           <p:nvPr/>
         </p:nvSpPr>
@@ -10504,6 +10630,69 @@
             <a:endParaRPr b="0" i="0" sz="1200" u="none" cap="none" strike="noStrike">
               <a:solidFill>
                 <a:srgbClr val="3C78D8"/>
+              </a:solidFill>
+              <a:latin typeface="Arial"/>
+              <a:ea typeface="Arial"/>
+              <a:cs typeface="Arial"/>
+              <a:sym typeface="Arial"/>
+            </a:endParaRPr>
+          </a:p>
+        </p:txBody>
+      </p:sp>
+      <p:sp>
+        <p:nvSpPr>
+          <p:cNvPr id="74" name="Google Shape;74;g10cc429f828_0_66"/>
+          <p:cNvSpPr/>
+          <p:nvPr/>
+        </p:nvSpPr>
+        <p:spPr>
+          <a:xfrm>
+            <a:off x="16050" y="24750"/>
+            <a:ext cx="9111900" cy="5094000"/>
+          </a:xfrm>
+          <a:prstGeom prst="rect">
+            <a:avLst/>
+          </a:prstGeom>
+          <a:noFill/>
+          <a:ln cap="flat" cmpd="sng" w="9525">
+            <a:solidFill>
+              <a:srgbClr val="1155CC"/>
+            </a:solidFill>
+            <a:prstDash val="solid"/>
+            <a:round/>
+            <a:headEnd len="sm" w="sm" type="none"/>
+            <a:tailEnd len="sm" w="sm" type="none"/>
+          </a:ln>
+        </p:spPr>
+        <p:txBody>
+          <a:bodyPr anchorCtr="0" anchor="ctr" bIns="91425" lIns="91425" spcFirstLastPara="1" rIns="91425" wrap="square" tIns="91425">
+            <a:noAutofit/>
+          </a:bodyPr>
+          <a:lstStyle/>
+          <a:p>
+            <a:pPr indent="0" lvl="0" marL="0" marR="0" rtl="0" algn="l">
+              <a:lnSpc>
+                <a:spcPct val="100000"/>
+              </a:lnSpc>
+              <a:spcBef>
+                <a:spcPts val="0"/>
+              </a:spcBef>
+              <a:spcAft>
+                <a:spcPts val="0"/>
+              </a:spcAft>
+              <a:buClr>
+                <a:srgbClr val="000000"/>
+              </a:buClr>
+              <a:buSzPts val="1400"/>
+              <a:buFont typeface="Arial"/>
+              <a:buNone/>
+            </a:pPr>
+            <a:r>
+              <a:t/>
+            </a:r>
+            <a:endParaRPr b="0" i="0" sz="1400" u="none" cap="none" strike="noStrike">
+              <a:solidFill>
+                <a:srgbClr val="000000"/>
               </a:solidFill>
               <a:latin typeface="Arial"/>
               <a:ea typeface="Arial"/>
@@ -10552,7 +10741,7 @@
                                           </p:stCondLst>
                                         </p:cTn>
                                         <p:tgtEl>
-                                          <p:spTgt spid="69"/>
+                                          <p:spTgt spid="71"/>
                                         </p:tgtEl>
                                         <p:attrNameLst>
                                           <p:attrName>style.visibility</p:attrName>
@@ -10566,60 +10755,7 @@
                                       <p:cBhvr>
                                         <p:cTn dur="1000"/>
                                         <p:tgtEl>
-                                          <p:spTgt spid="69"/>
-                                        </p:tgtEl>
-                                      </p:cBhvr>
-                                    </p:animEffect>
-                                  </p:childTnLst>
-                                </p:cTn>
-                              </p:par>
-                            </p:childTnLst>
-                          </p:cTn>
-                        </p:par>
-                      </p:childTnLst>
-                    </p:cTn>
-                  </p:par>
-                  <p:par>
-                    <p:cTn fill="hold">
-                      <p:stCondLst>
-                        <p:cond delay="indefinite"/>
-                      </p:stCondLst>
-                      <p:childTnLst>
-                        <p:par>
-                          <p:cTn fill="hold">
-                            <p:stCondLst>
-                              <p:cond delay="0"/>
-                            </p:stCondLst>
-                            <p:childTnLst>
-                              <p:par>
-                                <p:cTn fill="hold" nodeType="clickEffect" presetClass="entr" presetID="10" presetSubtype="0">
-                                  <p:stCondLst>
-                                    <p:cond delay="0"/>
-                                  </p:stCondLst>
-                                  <p:childTnLst>
-                                    <p:set>
-                                      <p:cBhvr>
-                                        <p:cTn dur="1" fill="hold">
-                                          <p:stCondLst>
-                                            <p:cond delay="0"/>
-                                          </p:stCondLst>
-                                        </p:cTn>
-                                        <p:tgtEl>
-                                          <p:spTgt spid="68"/>
-                                        </p:tgtEl>
-                                        <p:attrNameLst>
-                                          <p:attrName>style.visibility</p:attrName>
-                                        </p:attrNameLst>
-                                      </p:cBhvr>
-                                      <p:to>
-                                        <p:strVal val="visible"/>
-                                      </p:to>
-                                    </p:set>
-                                    <p:animEffect filter="fade" transition="in">
-                                      <p:cBhvr>
-                                        <p:cTn dur="1000"/>
-                                        <p:tgtEl>
-                                          <p:spTgt spid="68"/>
+                                          <p:spTgt spid="71"/>
                                         </p:tgtEl>
                                       </p:cBhvr>
                                     </p:animEffect>
@@ -10711,7 +10847,7 @@
                                           </p:stCondLst>
                                         </p:cTn>
                                         <p:tgtEl>
-                                          <p:spTgt spid="71"/>
+                                          <p:spTgt spid="72"/>
                                         </p:tgtEl>
                                         <p:attrNameLst>
                                           <p:attrName>style.visibility</p:attrName>
@@ -10725,7 +10861,60 @@
                                       <p:cBhvr>
                                         <p:cTn dur="1000"/>
                                         <p:tgtEl>
-                                          <p:spTgt spid="71"/>
+                                          <p:spTgt spid="72"/>
+                                        </p:tgtEl>
+                                      </p:cBhvr>
+                                    </p:animEffect>
+                                  </p:childTnLst>
+                                </p:cTn>
+                              </p:par>
+                            </p:childTnLst>
+                          </p:cTn>
+                        </p:par>
+                      </p:childTnLst>
+                    </p:cTn>
+                  </p:par>
+                  <p:par>
+                    <p:cTn fill="hold">
+                      <p:stCondLst>
+                        <p:cond delay="indefinite"/>
+                      </p:stCondLst>
+                      <p:childTnLst>
+                        <p:par>
+                          <p:cTn fill="hold">
+                            <p:stCondLst>
+                              <p:cond delay="0"/>
+                            </p:stCondLst>
+                            <p:childTnLst>
+                              <p:par>
+                                <p:cTn fill="hold" nodeType="clickEffect" presetClass="entr" presetID="10" presetSubtype="0">
+                                  <p:stCondLst>
+                                    <p:cond delay="0"/>
+                                  </p:stCondLst>
+                                  <p:childTnLst>
+                                    <p:set>
+                                      <p:cBhvr>
+                                        <p:cTn dur="1" fill="hold">
+                                          <p:stCondLst>
+                                            <p:cond delay="0"/>
+                                          </p:stCondLst>
+                                        </p:cTn>
+                                        <p:tgtEl>
+                                          <p:spTgt spid="73"/>
+                                        </p:tgtEl>
+                                        <p:attrNameLst>
+                                          <p:attrName>style.visibility</p:attrName>
+                                        </p:attrNameLst>
+                                      </p:cBhvr>
+                                      <p:to>
+                                        <p:strVal val="visible"/>
+                                      </p:to>
+                                    </p:set>
+                                    <p:animEffect filter="fade" transition="in">
+                                      <p:cBhvr>
+                                        <p:cTn dur="1000"/>
+                                        <p:tgtEl>
+                                          <p:spTgt spid="73"/>
                                         </p:tgtEl>
                                       </p:cBhvr>
                                     </p:animEffect>
@@ -10768,7 +10957,7 @@
   <p:cSld>
     <p:spTree>
       <p:nvGrpSpPr>
-        <p:cNvPr id="75" name="Shape 75"/>
+        <p:cNvPr id="78" name="Shape 78"/>
         <p:cNvGrpSpPr/>
         <p:nvPr/>
       </p:nvGrpSpPr>
@@ -10782,7 +10971,7 @@
       </p:grpSpPr>
       <p:sp>
         <p:nvSpPr>
-          <p:cNvPr id="76" name="Google Shape;76;g10cea81d82c_0_0"/>
+          <p:cNvPr id="79" name="Google Shape;79;g10cea81d82c_0_0"/>
           <p:cNvSpPr txBox="1"/>
           <p:nvPr/>
         </p:nvSpPr>
@@ -10832,7 +11021,7 @@
       </p:sp>
       <p:sp>
         <p:nvSpPr>
-          <p:cNvPr id="77" name="Google Shape;77;g10cea81d82c_0_0"/>
+          <p:cNvPr id="80" name="Google Shape;80;g10cea81d82c_0_0"/>
           <p:cNvSpPr txBox="1"/>
           <p:nvPr/>
         </p:nvSpPr>
@@ -10882,7 +11071,7 @@
       </p:sp>
       <p:sp>
         <p:nvSpPr>
-          <p:cNvPr id="78" name="Google Shape;78;g10cea81d82c_0_0"/>
+          <p:cNvPr id="81" name="Google Shape;81;g10cea81d82c_0_0"/>
           <p:cNvSpPr txBox="1"/>
           <p:nvPr/>
         </p:nvSpPr>
@@ -10948,7 +11137,7 @@
       </p:sp>
       <p:sp>
         <p:nvSpPr>
-          <p:cNvPr id="79" name="Google Shape;79;g10cea81d82c_0_0"/>
+          <p:cNvPr id="82" name="Google Shape;82;g10cea81d82c_0_0"/>
           <p:cNvSpPr txBox="1"/>
           <p:nvPr/>
         </p:nvSpPr>
@@ -11030,7 +11219,7 @@
       </p:sp>
       <p:sp>
         <p:nvSpPr>
-          <p:cNvPr id="80" name="Google Shape;80;g10cea81d82c_0_0"/>
+          <p:cNvPr id="83" name="Google Shape;83;g10cea81d82c_0_0"/>
           <p:cNvSpPr txBox="1"/>
           <p:nvPr/>
         </p:nvSpPr>
@@ -11120,7 +11309,7 @@
       </p:sp>
       <p:sp>
         <p:nvSpPr>
-          <p:cNvPr id="81" name="Google Shape;81;g10cea81d82c_0_0"/>
+          <p:cNvPr id="84" name="Google Shape;84;g10cea81d82c_0_0"/>
           <p:cNvSpPr txBox="1"/>
           <p:nvPr/>
         </p:nvSpPr>
@@ -11170,7 +11359,7 @@
       </p:sp>
       <p:sp>
         <p:nvSpPr>
-          <p:cNvPr id="82" name="Google Shape;82;g10cea81d82c_0_0"/>
+          <p:cNvPr id="85" name="Google Shape;85;g10cea81d82c_0_0"/>
           <p:cNvSpPr txBox="1"/>
           <p:nvPr/>
         </p:nvSpPr>
@@ -11227,6 +11416,69 @@
           </a:p>
         </p:txBody>
       </p:sp>
+      <p:sp>
+        <p:nvSpPr>
+          <p:cNvPr id="86" name="Google Shape;86;g10cea81d82c_0_0"/>
+          <p:cNvSpPr/>
+          <p:nvPr/>
+        </p:nvSpPr>
+        <p:spPr>
+          <a:xfrm>
+            <a:off x="16050" y="24750"/>
+            <a:ext cx="9111900" cy="5094000"/>
+          </a:xfrm>
+          <a:prstGeom prst="rect">
+            <a:avLst/>
+          </a:prstGeom>
+          <a:noFill/>
+          <a:ln cap="flat" cmpd="sng" w="9525">
+            <a:solidFill>
+              <a:srgbClr val="1155CC"/>
+            </a:solidFill>
+            <a:prstDash val="solid"/>
+            <a:round/>
+            <a:headEnd len="sm" w="sm" type="none"/>
+            <a:tailEnd len="sm" w="sm" type="none"/>
+          </a:ln>
+        </p:spPr>
+        <p:txBody>
+          <a:bodyPr anchorCtr="0" anchor="ctr" bIns="91425" lIns="91425" spcFirstLastPara="1" rIns="91425" wrap="square" tIns="91425">
+            <a:noAutofit/>
+          </a:bodyPr>
+          <a:lstStyle/>
+          <a:p>
+            <a:pPr indent="0" lvl="0" marL="0" marR="0" rtl="0" algn="l">
+              <a:lnSpc>
+                <a:spcPct val="100000"/>
+              </a:lnSpc>
+              <a:spcBef>
+                <a:spcPts val="0"/>
+              </a:spcBef>
+              <a:spcAft>
+                <a:spcPts val="0"/>
+              </a:spcAft>
+              <a:buClr>
+                <a:srgbClr val="000000"/>
+              </a:buClr>
+              <a:buSzPts val="1400"/>
+              <a:buFont typeface="Arial"/>
+              <a:buNone/>
+            </a:pPr>
+            <a:r>
+              <a:t/>
+            </a:r>
+            <a:endParaRPr b="0" i="0" sz="1400" u="none" cap="none" strike="noStrike">
+              <a:solidFill>
+                <a:srgbClr val="000000"/>
+              </a:solidFill>
+              <a:latin typeface="Arial"/>
+              <a:ea typeface="Arial"/>
+              <a:cs typeface="Arial"/>
+              <a:sym typeface="Arial"/>
+            </a:endParaRPr>
+          </a:p>
+        </p:txBody>
+      </p:sp>
     </p:spTree>
   </p:cSld>
   <p:clrMapOvr>
@@ -11240,165 +11492,6 @@
             <p:seq concurrent="1" nextAc="seek">
               <p:cTn dur="indefinite" id="2" nodeType="mainSeq">
                 <p:childTnLst>
-                  <p:par>
-                    <p:cTn fill="hold">
-                      <p:stCondLst>
-                        <p:cond delay="indefinite"/>
-                      </p:stCondLst>
-                      <p:childTnLst>
-                        <p:par>
-                          <p:cTn fill="hold">
-                            <p:stCondLst>
-                              <p:cond delay="0"/>
-                            </p:stCondLst>
-                            <p:childTnLst>
-                              <p:par>
-                                <p:cTn fill="hold" nodeType="clickEffect" presetClass="entr" presetID="10" presetSubtype="0">
-                                  <p:stCondLst>
-                                    <p:cond delay="0"/>
-                                  </p:stCondLst>
-                                  <p:childTnLst>
-                                    <p:set>
-                                      <p:cBhvr>
-                                        <p:cTn dur="1" fill="hold">
-                                          <p:stCondLst>
-                                            <p:cond delay="0"/>
-                                          </p:stCondLst>
-                                        </p:cTn>
-                                        <p:tgtEl>
-                                          <p:spTgt spid="76"/>
-                                        </p:tgtEl>
-                                        <p:attrNameLst>
-                                          <p:attrName>style.visibility</p:attrName>
-                                        </p:attrNameLst>
-                                      </p:cBhvr>
-                                      <p:to>
-                                        <p:strVal val="visible"/>
-                                      </p:to>
-                                    </p:set>
-                                    <p:animEffect filter="fade" transition="in">
-                                      <p:cBhvr>
-                                        <p:cTn dur="1000"/>
-                                        <p:tgtEl>
-                                          <p:spTgt spid="76"/>
-                                        </p:tgtEl>
-                                      </p:cBhvr>
-                                    </p:animEffect>
-                                  </p:childTnLst>
-                                </p:cTn>
-                              </p:par>
-                            </p:childTnLst>
-                          </p:cTn>
-                        </p:par>
-                      </p:childTnLst>
-                    </p:cTn>
-                  </p:par>
-                  <p:par>
-                    <p:cTn fill="hold">
-                      <p:stCondLst>
-                        <p:cond delay="indefinite"/>
-                      </p:stCondLst>
-                      <p:childTnLst>
-                        <p:par>
-                          <p:cTn fill="hold">
-                            <p:stCondLst>
-                              <p:cond delay="0"/>
-                            </p:stCondLst>
-                            <p:childTnLst>
-                              <p:par>
-                                <p:cTn fill="hold" nodeType="clickEffect" presetClass="entr" presetID="10" presetSubtype="0">
-                                  <p:stCondLst>
-                                    <p:cond delay="0"/>
-                                  </p:stCondLst>
-                                  <p:childTnLst>
-                                    <p:set>
-                                      <p:cBhvr>
-                                        <p:cTn dur="1" fill="hold">
-                                          <p:stCondLst>
-                                            <p:cond delay="0"/>
-                                          </p:stCondLst>
-                                        </p:cTn>
-                                        <p:tgtEl>
-                                          <p:spTgt spid="77"/>
-                                        </p:tgtEl>
-                                        <p:attrNameLst>
-                                          <p:attrName>style.visibility</p:attrName>
-                                        </p:attrNameLst>
-                                      </p:cBhvr>
-                                      <p:to>
-                                        <p:strVal val="visible"/>
-                                      </p:to>
-                                    </p:set>
-                                    <p:animEffect filter="fade" transition="in">
-                                      <p:cBhvr>
-                                        <p:cTn dur="1000"/>
-                                        <p:tgtEl>
-                                          <p:spTgt spid="77"/>
-                                        </p:tgtEl>
-                                      </p:cBhvr>
-                                    </p:animEffect>
-                                  </p:childTnLst>
-                                </p:cTn>
-                              </p:par>
-                            </p:childTnLst>
-                          </p:cTn>
-                        </p:par>
-                      </p:childTnLst>
-                    </p:cTn>
-                  </p:par>
-                  <p:par>
-                    <p:cTn fill="hold">
-                      <p:stCondLst>
-                        <p:cond delay="indefinite"/>
-                      </p:stCondLst>
-                      <p:childTnLst>
-                        <p:par>
-                          <p:cTn fill="hold">
-                            <p:stCondLst>
-                              <p:cond delay="0"/>
-                            </p:stCondLst>
-                            <p:childTnLst>
-                              <p:par>
-                                <p:cTn fill="hold" nodeType="clickEffect" presetClass="entr" presetID="10" presetSubtype="0">
-                                  <p:stCondLst>
-                                    <p:cond delay="0"/>
-                                  </p:stCondLst>
-                                  <p:childTnLst>
-                                    <p:set>
-                                      <p:cBhvr>
-                                        <p:cTn dur="1" fill="hold">
-                                          <p:stCondLst>
-                                            <p:cond delay="0"/>
-                                          </p:stCondLst>
-                                        </p:cTn>
-                                        <p:tgtEl>
-                                          <p:spTgt spid="78"/>
-                                        </p:tgtEl>
-                                        <p:attrNameLst>
-                                          <p:attrName>style.visibility</p:attrName>
-                                        </p:attrNameLst>
-                                      </p:cBhvr>
-                                      <p:to>
-                                        <p:strVal val="visible"/>
-                                      </p:to>
-                                    </p:set>
-                                    <p:animEffect filter="fade" transition="in">
-                                      <p:cBhvr>
-                                        <p:cTn dur="1000"/>
-                                        <p:tgtEl>
-                                          <p:spTgt spid="78"/>
-                                        </p:tgtEl>
-                                      </p:cBhvr>
-                                    </p:animEffect>
-                                  </p:childTnLst>
-                                </p:cTn>
-                              </p:par>
-                            </p:childTnLst>
-                          </p:cTn>
-                        </p:par>
-                      </p:childTnLst>
-                    </p:cTn>
-                  </p:par>
                   <p:par>
                     <p:cTn fill="hold">
                       <p:stCondLst>
@@ -11558,956 +11651,6 @@
                       </p:childTnLst>
                     </p:cTn>
                   </p:par>
-                </p:childTnLst>
-              </p:cTn>
-              <p:prevCondLst>
-                <p:cond evt="onPrev">
-                  <p:tgtEl>
-                    <p:sldTgt/>
-                  </p:tgtEl>
-                </p:cond>
-              </p:prevCondLst>
-              <p:nextCondLst>
-                <p:cond evt="onNext">
-                  <p:tgtEl>
-                    <p:sldTgt/>
-                  </p:tgtEl>
-                </p:cond>
-              </p:nextCondLst>
-            </p:seq>
-          </p:childTnLst>
-        </p:cTn>
-      </p:par>
-    </p:tnLst>
-  </p:timing>
-</p:sld>
-</file>
-
-<file path=ppt/slides/slide5.xml><?xml version="1.0" encoding="utf-8"?>
-<p:sld xmlns:a="http://schemas.openxmlformats.org/drawingml/2006/main" xmlns:r="http://schemas.openxmlformats.org/officeDocument/2006/relationships" xmlns:mc="http://schemas.openxmlformats.org/markup-compatibility/2006" xmlns:mv="urn:schemas-microsoft-com:mac:vml" xmlns:p="http://schemas.openxmlformats.org/presentationml/2006/main" xmlns:c="http://schemas.openxmlformats.org/drawingml/2006/chart" xmlns:dgm="http://schemas.openxmlformats.org/drawingml/2006/diagram" xmlns:o="urn:schemas-microsoft-com:office:office" xmlns:v="urn:schemas-microsoft-com:vml" xmlns:pvml="urn:schemas-microsoft-com:office:powerpoint" xmlns:com="http://schemas.openxmlformats.org/drawingml/2006/compatibility" xmlns:p14="http://schemas.microsoft.com/office/powerpoint/2010/main" xmlns:p15="http://schemas.microsoft.com/office/powerpoint/2012/main" xmlns:ahyp="http://schemas.microsoft.com/office/drawing/2018/hyperlinkcolor">
-  <p:cSld>
-    <p:spTree>
-      <p:nvGrpSpPr>
-        <p:cNvPr id="86" name="Shape 86"/>
-        <p:cNvGrpSpPr/>
-        <p:nvPr/>
-      </p:nvGrpSpPr>
-      <p:grpSpPr>
-        <a:xfrm>
-          <a:off x="0" y="0"/>
-          <a:ext cx="0" cy="0"/>
-          <a:chOff x="0" y="0"/>
-          <a:chExt cx="0" cy="0"/>
-        </a:xfrm>
-      </p:grpSpPr>
-      <p:sp>
-        <p:nvSpPr>
-          <p:cNvPr id="87" name="Google Shape;87;g10adc5e3a03_0_37"/>
-          <p:cNvSpPr txBox="1"/>
-          <p:nvPr/>
-        </p:nvSpPr>
-        <p:spPr>
-          <a:xfrm>
-            <a:off x="122250" y="2861350"/>
-            <a:ext cx="4292400" cy="400200"/>
-          </a:xfrm>
-          <a:prstGeom prst="rect">
-            <a:avLst/>
-          </a:prstGeom>
-          <a:noFill/>
-          <a:ln>
-            <a:noFill/>
-          </a:ln>
-        </p:spPr>
-        <p:txBody>
-          <a:bodyPr anchorCtr="0" anchor="t" bIns="91425" lIns="91425" spcFirstLastPara="1" rIns="91425" wrap="square" tIns="91425">
-            <a:spAutoFit/>
-          </a:bodyPr>
-          <a:lstStyle/>
-          <a:p>
-            <a:pPr indent="0" lvl="0" marL="0" rtl="0" algn="l">
-              <a:spcBef>
-                <a:spcPts val="0"/>
-              </a:spcBef>
-              <a:spcAft>
-                <a:spcPts val="0"/>
-              </a:spcAft>
-              <a:buNone/>
-            </a:pPr>
-            <a:r>
-              <a:rPr lang="en">
-                <a:solidFill>
-                  <a:srgbClr val="E69138"/>
-                </a:solidFill>
-              </a:rPr>
-              <a:t>Selectors</a:t>
-            </a:r>
-            <a:endParaRPr>
-              <a:solidFill>
-                <a:srgbClr val="E69138"/>
-              </a:solidFill>
-            </a:endParaRPr>
-          </a:p>
-        </p:txBody>
-      </p:sp>
-      <p:sp>
-        <p:nvSpPr>
-          <p:cNvPr id="88" name="Google Shape;88;g10adc5e3a03_0_37"/>
-          <p:cNvSpPr txBox="1"/>
-          <p:nvPr/>
-        </p:nvSpPr>
-        <p:spPr>
-          <a:xfrm>
-            <a:off x="122250" y="3145400"/>
-            <a:ext cx="4292400" cy="369300"/>
-          </a:xfrm>
-          <a:prstGeom prst="rect">
-            <a:avLst/>
-          </a:prstGeom>
-          <a:noFill/>
-          <a:ln>
-            <a:noFill/>
-          </a:ln>
-        </p:spPr>
-        <p:txBody>
-          <a:bodyPr anchorCtr="0" anchor="t" bIns="91425" lIns="91425" spcFirstLastPara="1" rIns="91425" wrap="square" tIns="91425">
-            <a:spAutoFit/>
-          </a:bodyPr>
-          <a:lstStyle/>
-          <a:p>
-            <a:pPr indent="0" lvl="0" marL="0" rtl="0" algn="l">
-              <a:spcBef>
-                <a:spcPts val="0"/>
-              </a:spcBef>
-              <a:spcAft>
-                <a:spcPts val="0"/>
-              </a:spcAft>
-              <a:buNone/>
-            </a:pPr>
-            <a:r>
-              <a:rPr lang="en" sz="1200">
-                <a:solidFill>
-                  <a:srgbClr val="3C78D8"/>
-                </a:solidFill>
-              </a:rPr>
-              <a:t>className</a:t>
-            </a:r>
-            <a:r>
-              <a:rPr lang="en" sz="1200">
-                <a:solidFill>
-                  <a:schemeClr val="dk1"/>
-                </a:solidFill>
-              </a:rPr>
-              <a:t> - apply to all elements in class</a:t>
-            </a:r>
-            <a:endParaRPr sz="1200">
-              <a:solidFill>
-                <a:schemeClr val="dk1"/>
-              </a:solidFill>
-            </a:endParaRPr>
-          </a:p>
-        </p:txBody>
-      </p:sp>
-      <p:sp>
-        <p:nvSpPr>
-          <p:cNvPr id="89" name="Google Shape;89;g10adc5e3a03_0_37"/>
-          <p:cNvSpPr txBox="1"/>
-          <p:nvPr/>
-        </p:nvSpPr>
-        <p:spPr>
-          <a:xfrm>
-            <a:off x="122250" y="3430550"/>
-            <a:ext cx="5825100" cy="369300"/>
-          </a:xfrm>
-          <a:prstGeom prst="rect">
-            <a:avLst/>
-          </a:prstGeom>
-          <a:noFill/>
-          <a:ln>
-            <a:noFill/>
-          </a:ln>
-        </p:spPr>
-        <p:txBody>
-          <a:bodyPr anchorCtr="0" anchor="t" bIns="91425" lIns="91425" spcFirstLastPara="1" rIns="91425" wrap="square" tIns="91425">
-            <a:spAutoFit/>
-          </a:bodyPr>
-          <a:lstStyle/>
-          <a:p>
-            <a:pPr indent="0" lvl="0" marL="0" rtl="0" algn="l">
-              <a:spcBef>
-                <a:spcPts val="0"/>
-              </a:spcBef>
-              <a:spcAft>
-                <a:spcPts val="0"/>
-              </a:spcAft>
-              <a:buNone/>
-            </a:pPr>
-            <a:r>
-              <a:rPr lang="en" sz="1200">
-                <a:solidFill>
-                  <a:srgbClr val="3C78D8"/>
-                </a:solidFill>
-              </a:rPr>
-              <a:t>className#variableName </a:t>
-            </a:r>
-            <a:r>
-              <a:rPr lang="en" sz="1200">
-                <a:solidFill>
-                  <a:schemeClr val="dk1"/>
-                </a:solidFill>
-              </a:rPr>
-              <a:t>- apply to a specific instance of a class</a:t>
-            </a:r>
-            <a:endParaRPr sz="1200">
-              <a:solidFill>
-                <a:schemeClr val="dk1"/>
-              </a:solidFill>
-            </a:endParaRPr>
-          </a:p>
-        </p:txBody>
-      </p:sp>
-      <p:sp>
-        <p:nvSpPr>
-          <p:cNvPr id="90" name="Google Shape;90;g10adc5e3a03_0_37"/>
-          <p:cNvSpPr txBox="1"/>
-          <p:nvPr/>
-        </p:nvSpPr>
-        <p:spPr>
-          <a:xfrm>
-            <a:off x="122250" y="3690750"/>
-            <a:ext cx="4292400" cy="369300"/>
-          </a:xfrm>
-          <a:prstGeom prst="rect">
-            <a:avLst/>
-          </a:prstGeom>
-          <a:noFill/>
-          <a:ln>
-            <a:noFill/>
-          </a:ln>
-        </p:spPr>
-        <p:txBody>
-          <a:bodyPr anchorCtr="0" anchor="t" bIns="91425" lIns="91425" spcFirstLastPara="1" rIns="91425" wrap="square" tIns="91425">
-            <a:spAutoFit/>
-          </a:bodyPr>
-          <a:lstStyle/>
-          <a:p>
-            <a:pPr indent="0" lvl="0" marL="0" rtl="0" algn="l">
-              <a:spcBef>
-                <a:spcPts val="0"/>
-              </a:spcBef>
-              <a:spcAft>
-                <a:spcPts val="0"/>
-              </a:spcAft>
-              <a:buNone/>
-            </a:pPr>
-            <a:r>
-              <a:rPr lang="en" sz="1200">
-                <a:solidFill>
-                  <a:srgbClr val="3C78D8"/>
-                </a:solidFill>
-              </a:rPr>
-              <a:t>className:state</a:t>
-            </a:r>
-            <a:r>
-              <a:rPr lang="en" sz="1200">
-                <a:solidFill>
-                  <a:schemeClr val="dk1"/>
-                </a:solidFill>
-              </a:rPr>
-              <a:t> - apply to a specific state</a:t>
-            </a:r>
-            <a:endParaRPr sz="1200">
-              <a:solidFill>
-                <a:schemeClr val="dk1"/>
-              </a:solidFill>
-            </a:endParaRPr>
-          </a:p>
-        </p:txBody>
-      </p:sp>
-      <p:sp>
-        <p:nvSpPr>
-          <p:cNvPr id="91" name="Google Shape;91;g10adc5e3a03_0_37"/>
-          <p:cNvSpPr txBox="1"/>
-          <p:nvPr/>
-        </p:nvSpPr>
-        <p:spPr>
-          <a:xfrm>
-            <a:off x="122250" y="3974800"/>
-            <a:ext cx="6516300" cy="369300"/>
-          </a:xfrm>
-          <a:prstGeom prst="rect">
-            <a:avLst/>
-          </a:prstGeom>
-          <a:noFill/>
-          <a:ln>
-            <a:noFill/>
-          </a:ln>
-        </p:spPr>
-        <p:txBody>
-          <a:bodyPr anchorCtr="0" anchor="t" bIns="91425" lIns="91425" spcFirstLastPara="1" rIns="91425" wrap="square" tIns="91425">
-            <a:spAutoFit/>
-          </a:bodyPr>
-          <a:lstStyle/>
-          <a:p>
-            <a:pPr indent="0" lvl="0" marL="0" rtl="0" algn="l">
-              <a:spcBef>
-                <a:spcPts val="0"/>
-              </a:spcBef>
-              <a:spcAft>
-                <a:spcPts val="0"/>
-              </a:spcAft>
-              <a:buNone/>
-            </a:pPr>
-            <a:r>
-              <a:rPr lang="en" sz="1200">
-                <a:solidFill>
-                  <a:srgbClr val="3C78D8"/>
-                </a:solidFill>
-              </a:rPr>
-              <a:t>className:subcontrol</a:t>
-            </a:r>
-            <a:r>
-              <a:rPr lang="en" sz="1200">
-                <a:solidFill>
-                  <a:schemeClr val="dk1"/>
-                </a:solidFill>
-              </a:rPr>
-              <a:t> - apply to specific sub-controls. up-arrow , etc. </a:t>
-            </a:r>
-            <a:endParaRPr sz="1200">
-              <a:solidFill>
-                <a:schemeClr val="dk1"/>
-              </a:solidFill>
-            </a:endParaRPr>
-          </a:p>
-        </p:txBody>
-      </p:sp>
-      <p:sp>
-        <p:nvSpPr>
-          <p:cNvPr id="92" name="Google Shape;92;g10adc5e3a03_0_37"/>
-          <p:cNvSpPr txBox="1"/>
-          <p:nvPr/>
-        </p:nvSpPr>
-        <p:spPr>
-          <a:xfrm>
-            <a:off x="122250" y="4259950"/>
-            <a:ext cx="6986400" cy="369300"/>
-          </a:xfrm>
-          <a:prstGeom prst="rect">
-            <a:avLst/>
-          </a:prstGeom>
-          <a:noFill/>
-          <a:ln>
-            <a:noFill/>
-          </a:ln>
-        </p:spPr>
-        <p:txBody>
-          <a:bodyPr anchorCtr="0" anchor="t" bIns="91425" lIns="91425" spcFirstLastPara="1" rIns="91425" wrap="square" tIns="91425">
-            <a:spAutoFit/>
-          </a:bodyPr>
-          <a:lstStyle/>
-          <a:p>
-            <a:pPr indent="0" lvl="0" marL="0" rtl="0" algn="l">
-              <a:spcBef>
-                <a:spcPts val="0"/>
-              </a:spcBef>
-              <a:spcAft>
-                <a:spcPts val="0"/>
-              </a:spcAft>
-              <a:buNone/>
-            </a:pPr>
-            <a:r>
-              <a:rPr lang="en" sz="1200">
-                <a:solidFill>
-                  <a:srgbClr val="3C78D8"/>
-                </a:solidFill>
-              </a:rPr>
-              <a:t>className[property=value]</a:t>
-            </a:r>
-            <a:r>
-              <a:rPr lang="en" sz="1200">
-                <a:solidFill>
-                  <a:schemeClr val="dk1"/>
-                </a:solidFill>
-              </a:rPr>
-              <a:t> - apply to all elements that satisfy the property condition</a:t>
-            </a:r>
-            <a:endParaRPr sz="1200">
-              <a:solidFill>
-                <a:schemeClr val="dk1"/>
-              </a:solidFill>
-            </a:endParaRPr>
-          </a:p>
-        </p:txBody>
-      </p:sp>
-      <p:sp>
-        <p:nvSpPr>
-          <p:cNvPr id="93" name="Google Shape;93;g10adc5e3a03_0_37"/>
-          <p:cNvSpPr txBox="1"/>
-          <p:nvPr/>
-        </p:nvSpPr>
-        <p:spPr>
-          <a:xfrm>
-            <a:off x="122250" y="4519050"/>
-            <a:ext cx="6986400" cy="369300"/>
-          </a:xfrm>
-          <a:prstGeom prst="rect">
-            <a:avLst/>
-          </a:prstGeom>
-          <a:noFill/>
-          <a:ln>
-            <a:noFill/>
-          </a:ln>
-        </p:spPr>
-        <p:txBody>
-          <a:bodyPr anchorCtr="0" anchor="t" bIns="91425" lIns="91425" spcFirstLastPara="1" rIns="91425" wrap="square" tIns="91425">
-            <a:spAutoFit/>
-          </a:bodyPr>
-          <a:lstStyle/>
-          <a:p>
-            <a:pPr indent="0" lvl="0" marL="0" rtl="0" algn="l">
-              <a:spcBef>
-                <a:spcPts val="0"/>
-              </a:spcBef>
-              <a:spcAft>
-                <a:spcPts val="0"/>
-              </a:spcAft>
-              <a:buNone/>
-            </a:pPr>
-            <a:r>
-              <a:rPr lang="en" sz="1200">
-                <a:solidFill>
-                  <a:srgbClr val="3C78D8"/>
-                </a:solidFill>
-              </a:rPr>
-              <a:t>classname1 classname2</a:t>
-            </a:r>
-            <a:r>
-              <a:rPr lang="en" sz="1200">
-                <a:solidFill>
-                  <a:schemeClr val="dk1"/>
-                </a:solidFill>
-              </a:rPr>
-              <a:t> - apply to all elements of classname2 that are children of classname1</a:t>
-            </a:r>
-            <a:endParaRPr sz="1200">
-              <a:solidFill>
-                <a:schemeClr val="dk1"/>
-              </a:solidFill>
-            </a:endParaRPr>
-          </a:p>
-        </p:txBody>
-      </p:sp>
-      <p:sp>
-        <p:nvSpPr>
-          <p:cNvPr id="94" name="Google Shape;94;g10adc5e3a03_0_37"/>
-          <p:cNvSpPr txBox="1"/>
-          <p:nvPr/>
-        </p:nvSpPr>
-        <p:spPr>
-          <a:xfrm>
-            <a:off x="122250" y="4774200"/>
-            <a:ext cx="6986400" cy="369300"/>
-          </a:xfrm>
-          <a:prstGeom prst="rect">
-            <a:avLst/>
-          </a:prstGeom>
-          <a:noFill/>
-          <a:ln>
-            <a:noFill/>
-          </a:ln>
-        </p:spPr>
-        <p:txBody>
-          <a:bodyPr anchorCtr="0" anchor="t" bIns="91425" lIns="91425" spcFirstLastPara="1" rIns="91425" wrap="square" tIns="91425">
-            <a:spAutoFit/>
-          </a:bodyPr>
-          <a:lstStyle/>
-          <a:p>
-            <a:pPr indent="0" lvl="0" marL="0" rtl="0" algn="l">
-              <a:spcBef>
-                <a:spcPts val="0"/>
-              </a:spcBef>
-              <a:spcAft>
-                <a:spcPts val="0"/>
-              </a:spcAft>
-              <a:buNone/>
-            </a:pPr>
-            <a:r>
-              <a:rPr lang="en" sz="1200">
-                <a:solidFill>
-                  <a:srgbClr val="3C78D8"/>
-                </a:solidFill>
-              </a:rPr>
-              <a:t>classname1, classname2</a:t>
-            </a:r>
-            <a:r>
-              <a:rPr lang="en" sz="1200">
-                <a:solidFill>
-                  <a:schemeClr val="dk1"/>
-                </a:solidFill>
-              </a:rPr>
-              <a:t> - apply to both classname1 and classname2</a:t>
-            </a:r>
-            <a:endParaRPr sz="1200">
-              <a:solidFill>
-                <a:schemeClr val="dk1"/>
-              </a:solidFill>
-            </a:endParaRPr>
-          </a:p>
-        </p:txBody>
-      </p:sp>
-      <p:sp>
-        <p:nvSpPr>
-          <p:cNvPr id="95" name="Google Shape;95;g10adc5e3a03_0_37"/>
-          <p:cNvSpPr txBox="1"/>
-          <p:nvPr/>
-        </p:nvSpPr>
-        <p:spPr>
-          <a:xfrm>
-            <a:off x="3004075" y="898000"/>
-            <a:ext cx="4292400" cy="400200"/>
-          </a:xfrm>
-          <a:prstGeom prst="rect">
-            <a:avLst/>
-          </a:prstGeom>
-          <a:noFill/>
-          <a:ln>
-            <a:noFill/>
-          </a:ln>
-        </p:spPr>
-        <p:txBody>
-          <a:bodyPr anchorCtr="0" anchor="t" bIns="91425" lIns="91425" spcFirstLastPara="1" rIns="91425" wrap="square" tIns="91425">
-            <a:spAutoFit/>
-          </a:bodyPr>
-          <a:lstStyle/>
-          <a:p>
-            <a:pPr indent="0" lvl="0" marL="0" rtl="0" algn="l">
-              <a:spcBef>
-                <a:spcPts val="0"/>
-              </a:spcBef>
-              <a:spcAft>
-                <a:spcPts val="0"/>
-              </a:spcAft>
-              <a:buNone/>
-            </a:pPr>
-            <a:r>
-              <a:rPr lang="en">
-                <a:solidFill>
-                  <a:srgbClr val="3C78D8"/>
-                </a:solidFill>
-              </a:rPr>
-              <a:t>setStyleSheet(str) - QApplication, QWidget</a:t>
-            </a:r>
-            <a:endParaRPr>
-              <a:solidFill>
-                <a:srgbClr val="3C78D8"/>
-              </a:solidFill>
-            </a:endParaRPr>
-          </a:p>
-        </p:txBody>
-      </p:sp>
-      <p:sp>
-        <p:nvSpPr>
-          <p:cNvPr id="96" name="Google Shape;96;g10adc5e3a03_0_37"/>
-          <p:cNvSpPr txBox="1"/>
-          <p:nvPr/>
-        </p:nvSpPr>
-        <p:spPr>
-          <a:xfrm>
-            <a:off x="3004075" y="1182050"/>
-            <a:ext cx="4292400" cy="400200"/>
-          </a:xfrm>
-          <a:prstGeom prst="rect">
-            <a:avLst/>
-          </a:prstGeom>
-          <a:noFill/>
-          <a:ln>
-            <a:noFill/>
-          </a:ln>
-        </p:spPr>
-        <p:txBody>
-          <a:bodyPr anchorCtr="0" anchor="t" bIns="91425" lIns="91425" spcFirstLastPara="1" rIns="91425" wrap="square" tIns="91425">
-            <a:spAutoFit/>
-          </a:bodyPr>
-          <a:lstStyle/>
-          <a:p>
-            <a:pPr indent="0" lvl="0" marL="0" rtl="0" algn="l">
-              <a:spcBef>
-                <a:spcPts val="0"/>
-              </a:spcBef>
-              <a:spcAft>
-                <a:spcPts val="0"/>
-              </a:spcAft>
-              <a:buNone/>
-            </a:pPr>
-            <a:r>
-              <a:rPr lang="en">
-                <a:solidFill>
-                  <a:srgbClr val="3C78D8"/>
-                </a:solidFill>
-              </a:rPr>
-              <a:t>Similar to CSS</a:t>
-            </a:r>
-            <a:endParaRPr>
-              <a:solidFill>
-                <a:srgbClr val="3C78D8"/>
-              </a:solidFill>
-            </a:endParaRPr>
-          </a:p>
-        </p:txBody>
-      </p:sp>
-      <p:sp>
-        <p:nvSpPr>
-          <p:cNvPr id="97" name="Google Shape;97;g10adc5e3a03_0_37"/>
-          <p:cNvSpPr txBox="1"/>
-          <p:nvPr/>
-        </p:nvSpPr>
-        <p:spPr>
-          <a:xfrm>
-            <a:off x="3004075" y="1467200"/>
-            <a:ext cx="4292400" cy="400200"/>
-          </a:xfrm>
-          <a:prstGeom prst="rect">
-            <a:avLst/>
-          </a:prstGeom>
-          <a:noFill/>
-          <a:ln>
-            <a:noFill/>
-          </a:ln>
-        </p:spPr>
-        <p:txBody>
-          <a:bodyPr anchorCtr="0" anchor="t" bIns="91425" lIns="91425" spcFirstLastPara="1" rIns="91425" wrap="square" tIns="91425">
-            <a:spAutoFit/>
-          </a:bodyPr>
-          <a:lstStyle/>
-          <a:p>
-            <a:pPr indent="0" lvl="0" marL="0" rtl="0" algn="l">
-              <a:spcBef>
-                <a:spcPts val="0"/>
-              </a:spcBef>
-              <a:spcAft>
-                <a:spcPts val="0"/>
-              </a:spcAft>
-              <a:buNone/>
-            </a:pPr>
-            <a:r>
-              <a:rPr lang="en">
-                <a:solidFill>
-                  <a:srgbClr val="E69138"/>
-                </a:solidFill>
-              </a:rPr>
-              <a:t>Selector</a:t>
-            </a:r>
-            <a:r>
-              <a:rPr lang="en">
-                <a:solidFill>
-                  <a:srgbClr val="1155CC"/>
-                </a:solidFill>
-              </a:rPr>
-              <a:t> </a:t>
-            </a:r>
-            <a:r>
-              <a:rPr lang="en">
-                <a:solidFill>
-                  <a:schemeClr val="dk1"/>
-                </a:solidFill>
-              </a:rPr>
-              <a:t>{</a:t>
-            </a:r>
-            <a:endParaRPr>
-              <a:solidFill>
-                <a:schemeClr val="dk1"/>
-              </a:solidFill>
-            </a:endParaRPr>
-          </a:p>
-        </p:txBody>
-      </p:sp>
-      <p:sp>
-        <p:nvSpPr>
-          <p:cNvPr id="98" name="Google Shape;98;g10adc5e3a03_0_37"/>
-          <p:cNvSpPr txBox="1"/>
-          <p:nvPr/>
-        </p:nvSpPr>
-        <p:spPr>
-          <a:xfrm>
-            <a:off x="3004075" y="1727400"/>
-            <a:ext cx="4292400" cy="400200"/>
-          </a:xfrm>
-          <a:prstGeom prst="rect">
-            <a:avLst/>
-          </a:prstGeom>
-          <a:noFill/>
-          <a:ln>
-            <a:noFill/>
-          </a:ln>
-        </p:spPr>
-        <p:txBody>
-          <a:bodyPr anchorCtr="0" anchor="t" bIns="91425" lIns="91425" spcFirstLastPara="1" rIns="91425" wrap="square" tIns="91425">
-            <a:spAutoFit/>
-          </a:bodyPr>
-          <a:lstStyle/>
-          <a:p>
-            <a:pPr indent="0" lvl="0" marL="457200" rtl="0" algn="l">
-              <a:spcBef>
-                <a:spcPts val="0"/>
-              </a:spcBef>
-              <a:spcAft>
-                <a:spcPts val="0"/>
-              </a:spcAft>
-              <a:buNone/>
-            </a:pPr>
-            <a:r>
-              <a:rPr lang="en">
-                <a:solidFill>
-                  <a:srgbClr val="3C78D8"/>
-                </a:solidFill>
-              </a:rPr>
-              <a:t>property1</a:t>
-            </a:r>
-            <a:r>
-              <a:rPr lang="en">
-                <a:solidFill>
-                  <a:schemeClr val="dk1"/>
-                </a:solidFill>
-              </a:rPr>
-              <a:t>:</a:t>
-            </a:r>
-            <a:r>
-              <a:rPr lang="en">
-                <a:solidFill>
-                  <a:srgbClr val="1155CC"/>
-                </a:solidFill>
-              </a:rPr>
-              <a:t> </a:t>
-            </a:r>
-            <a:r>
-              <a:rPr lang="en">
-                <a:solidFill>
-                  <a:srgbClr val="3C78D8"/>
-                </a:solidFill>
-              </a:rPr>
-              <a:t>value1</a:t>
-            </a:r>
-            <a:r>
-              <a:rPr lang="en">
-                <a:solidFill>
-                  <a:schemeClr val="dk1"/>
-                </a:solidFill>
-              </a:rPr>
-              <a:t>;</a:t>
-            </a:r>
-            <a:endParaRPr>
-              <a:solidFill>
-                <a:schemeClr val="dk1"/>
-              </a:solidFill>
-            </a:endParaRPr>
-          </a:p>
-        </p:txBody>
-      </p:sp>
-      <p:sp>
-        <p:nvSpPr>
-          <p:cNvPr id="99" name="Google Shape;99;g10adc5e3a03_0_37"/>
-          <p:cNvSpPr txBox="1"/>
-          <p:nvPr/>
-        </p:nvSpPr>
-        <p:spPr>
-          <a:xfrm>
-            <a:off x="3004075" y="2011450"/>
-            <a:ext cx="4292400" cy="400200"/>
-          </a:xfrm>
-          <a:prstGeom prst="rect">
-            <a:avLst/>
-          </a:prstGeom>
-          <a:noFill/>
-          <a:ln>
-            <a:noFill/>
-          </a:ln>
-        </p:spPr>
-        <p:txBody>
-          <a:bodyPr anchorCtr="0" anchor="t" bIns="91425" lIns="91425" spcFirstLastPara="1" rIns="91425" wrap="square" tIns="91425">
-            <a:spAutoFit/>
-          </a:bodyPr>
-          <a:lstStyle/>
-          <a:p>
-            <a:pPr indent="457200" lvl="0" marL="0" rtl="0" algn="l">
-              <a:spcBef>
-                <a:spcPts val="0"/>
-              </a:spcBef>
-              <a:spcAft>
-                <a:spcPts val="0"/>
-              </a:spcAft>
-              <a:buNone/>
-            </a:pPr>
-            <a:r>
-              <a:rPr lang="en">
-                <a:solidFill>
-                  <a:srgbClr val="3C78D8"/>
-                </a:solidFill>
-              </a:rPr>
-              <a:t>property2</a:t>
-            </a:r>
-            <a:r>
-              <a:rPr lang="en">
-                <a:solidFill>
-                  <a:schemeClr val="dk1"/>
-                </a:solidFill>
-              </a:rPr>
-              <a:t>:</a:t>
-            </a:r>
-            <a:r>
-              <a:rPr lang="en">
-                <a:solidFill>
-                  <a:srgbClr val="1155CC"/>
-                </a:solidFill>
-              </a:rPr>
-              <a:t> </a:t>
-            </a:r>
-            <a:r>
-              <a:rPr lang="en">
-                <a:solidFill>
-                  <a:srgbClr val="3C78D8"/>
-                </a:solidFill>
-              </a:rPr>
-              <a:t>value2</a:t>
-            </a:r>
-            <a:r>
-              <a:rPr lang="en">
-                <a:solidFill>
-                  <a:schemeClr val="dk1"/>
-                </a:solidFill>
-              </a:rPr>
-              <a:t>;</a:t>
-            </a:r>
-            <a:endParaRPr>
-              <a:solidFill>
-                <a:schemeClr val="dk1"/>
-              </a:solidFill>
-            </a:endParaRPr>
-          </a:p>
-        </p:txBody>
-      </p:sp>
-      <p:sp>
-        <p:nvSpPr>
-          <p:cNvPr id="100" name="Google Shape;100;g10adc5e3a03_0_37"/>
-          <p:cNvSpPr txBox="1"/>
-          <p:nvPr/>
-        </p:nvSpPr>
-        <p:spPr>
-          <a:xfrm>
-            <a:off x="3004075" y="2296600"/>
-            <a:ext cx="4292400" cy="400200"/>
-          </a:xfrm>
-          <a:prstGeom prst="rect">
-            <a:avLst/>
-          </a:prstGeom>
-          <a:noFill/>
-          <a:ln>
-            <a:noFill/>
-          </a:ln>
-        </p:spPr>
-        <p:txBody>
-          <a:bodyPr anchorCtr="0" anchor="t" bIns="91425" lIns="91425" spcFirstLastPara="1" rIns="91425" wrap="square" tIns="91425">
-            <a:spAutoFit/>
-          </a:bodyPr>
-          <a:lstStyle/>
-          <a:p>
-            <a:pPr indent="0" lvl="0" marL="0" rtl="0" algn="l">
-              <a:spcBef>
-                <a:spcPts val="0"/>
-              </a:spcBef>
-              <a:spcAft>
-                <a:spcPts val="0"/>
-              </a:spcAft>
-              <a:buNone/>
-            </a:pPr>
-            <a:r>
-              <a:rPr lang="en">
-                <a:solidFill>
-                  <a:schemeClr val="dk1"/>
-                </a:solidFill>
-              </a:rPr>
-              <a:t>}</a:t>
-            </a:r>
-            <a:endParaRPr>
-              <a:solidFill>
-                <a:schemeClr val="dk1"/>
-              </a:solidFill>
-            </a:endParaRPr>
-          </a:p>
-        </p:txBody>
-      </p:sp>
-      <p:sp>
-        <p:nvSpPr>
-          <p:cNvPr id="101" name="Google Shape;101;g10adc5e3a03_0_37"/>
-          <p:cNvSpPr txBox="1"/>
-          <p:nvPr/>
-        </p:nvSpPr>
-        <p:spPr>
-          <a:xfrm>
-            <a:off x="-42325" y="255775"/>
-            <a:ext cx="9144000" cy="572700"/>
-          </a:xfrm>
-          <a:prstGeom prst="rect">
-            <a:avLst/>
-          </a:prstGeom>
-          <a:noFill/>
-          <a:ln>
-            <a:noFill/>
-          </a:ln>
-        </p:spPr>
-        <p:txBody>
-          <a:bodyPr anchorCtr="0" anchor="t" bIns="91425" lIns="91425" spcFirstLastPara="1" rIns="91425" wrap="square" tIns="91425">
-            <a:noAutofit/>
-          </a:bodyPr>
-          <a:lstStyle/>
-          <a:p>
-            <a:pPr indent="0" lvl="0" marL="0" rtl="0" algn="ctr">
-              <a:spcBef>
-                <a:spcPts val="0"/>
-              </a:spcBef>
-              <a:spcAft>
-                <a:spcPts val="0"/>
-              </a:spcAft>
-              <a:buClr>
-                <a:srgbClr val="000000"/>
-              </a:buClr>
-              <a:buSzPts val="1000"/>
-              <a:buFont typeface="Arial"/>
-              <a:buNone/>
-            </a:pPr>
-            <a:r>
-              <a:rPr b="1" lang="en" sz="1800">
-                <a:solidFill>
-                  <a:srgbClr val="3C78D8"/>
-                </a:solidFill>
-              </a:rPr>
-              <a:t>Selectors</a:t>
-            </a:r>
-            <a:endParaRPr b="1" i="0" sz="1800" u="none" cap="none" strike="noStrike">
-              <a:solidFill>
-                <a:srgbClr val="3C78D8"/>
-              </a:solidFill>
-              <a:latin typeface="Arial"/>
-              <a:ea typeface="Arial"/>
-              <a:cs typeface="Arial"/>
-              <a:sym typeface="Arial"/>
-            </a:endParaRPr>
-          </a:p>
-        </p:txBody>
-      </p:sp>
-    </p:spTree>
-  </p:cSld>
-  <p:clrMapOvr>
-    <a:masterClrMapping/>
-  </p:clrMapOvr>
-  <p:timing>
-    <p:tnLst>
-      <p:par>
-        <p:cTn dur="indefinite" nodeType="tmRoot" restart="never">
-          <p:childTnLst>
-            <p:seq concurrent="1" nextAc="seek">
-              <p:cTn dur="indefinite" id="2" nodeType="mainSeq">
-                <p:childTnLst>
                   <p:par>
                     <p:cTn fill="hold">
                       <p:stCondLst>
@@ -12534,7 +11677,7 @@
                                           </p:stCondLst>
                                         </p:cTn>
                                         <p:tgtEl>
-                                          <p:spTgt spid="88"/>
+                                          <p:spTgt spid="82"/>
                                         </p:tgtEl>
                                         <p:attrNameLst>
                                           <p:attrName>style.visibility</p:attrName>
@@ -12548,7 +11691,7 @@
                                       <p:cBhvr>
                                         <p:cTn dur="1000"/>
                                         <p:tgtEl>
-                                          <p:spTgt spid="88"/>
+                                          <p:spTgt spid="82"/>
                                         </p:tgtEl>
                                       </p:cBhvr>
                                     </p:animEffect>
@@ -12587,7 +11730,7 @@
                                           </p:stCondLst>
                                         </p:cTn>
                                         <p:tgtEl>
-                                          <p:spTgt spid="89"/>
+                                          <p:spTgt spid="83"/>
                                         </p:tgtEl>
                                         <p:attrNameLst>
                                           <p:attrName>style.visibility</p:attrName>
@@ -12601,7 +11744,7 @@
                                       <p:cBhvr>
                                         <p:cTn dur="1000"/>
                                         <p:tgtEl>
-                                          <p:spTgt spid="89"/>
+                                          <p:spTgt spid="83"/>
                                         </p:tgtEl>
                                       </p:cBhvr>
                                     </p:animEffect>
@@ -12640,7 +11783,7 @@
                                           </p:stCondLst>
                                         </p:cTn>
                                         <p:tgtEl>
-                                          <p:spTgt spid="90"/>
+                                          <p:spTgt spid="84"/>
                                         </p:tgtEl>
                                         <p:attrNameLst>
                                           <p:attrName>style.visibility</p:attrName>
@@ -12654,7 +11797,7 @@
                                       <p:cBhvr>
                                         <p:cTn dur="1000"/>
                                         <p:tgtEl>
-                                          <p:spTgt spid="90"/>
+                                          <p:spTgt spid="84"/>
                                         </p:tgtEl>
                                       </p:cBhvr>
                                     </p:animEffect>
@@ -12667,59 +11810,1019 @@
                       </p:childTnLst>
                     </p:cTn>
                   </p:par>
-                  <p:par>
-                    <p:cTn fill="hold">
-                      <p:stCondLst>
-                        <p:cond delay="indefinite"/>
-                      </p:stCondLst>
-                      <p:childTnLst>
-                        <p:par>
-                          <p:cTn fill="hold">
-                            <p:stCondLst>
-                              <p:cond delay="0"/>
-                            </p:stCondLst>
-                            <p:childTnLst>
-                              <p:par>
-                                <p:cTn fill="hold" nodeType="clickEffect" presetClass="entr" presetID="10" presetSubtype="0">
-                                  <p:stCondLst>
-                                    <p:cond delay="0"/>
-                                  </p:stCondLst>
-                                  <p:childTnLst>
-                                    <p:set>
-                                      <p:cBhvr>
-                                        <p:cTn dur="1" fill="hold">
-                                          <p:stCondLst>
-                                            <p:cond delay="0"/>
-                                          </p:stCondLst>
-                                        </p:cTn>
-                                        <p:tgtEl>
-                                          <p:spTgt spid="91"/>
-                                        </p:tgtEl>
-                                        <p:attrNameLst>
-                                          <p:attrName>style.visibility</p:attrName>
-                                        </p:attrNameLst>
-                                      </p:cBhvr>
-                                      <p:to>
-                                        <p:strVal val="visible"/>
-                                      </p:to>
-                                    </p:set>
-                                    <p:animEffect filter="fade" transition="in">
-                                      <p:cBhvr>
-                                        <p:cTn dur="1000"/>
-                                        <p:tgtEl>
-                                          <p:spTgt spid="91"/>
-                                        </p:tgtEl>
-                                      </p:cBhvr>
-                                    </p:animEffect>
-                                  </p:childTnLst>
-                                </p:cTn>
-                              </p:par>
-                            </p:childTnLst>
-                          </p:cTn>
-                        </p:par>
-                      </p:childTnLst>
-                    </p:cTn>
-                  </p:par>
+                </p:childTnLst>
+              </p:cTn>
+              <p:prevCondLst>
+                <p:cond evt="onPrev">
+                  <p:tgtEl>
+                    <p:sldTgt/>
+                  </p:tgtEl>
+                </p:cond>
+              </p:prevCondLst>
+              <p:nextCondLst>
+                <p:cond evt="onNext">
+                  <p:tgtEl>
+                    <p:sldTgt/>
+                  </p:tgtEl>
+                </p:cond>
+              </p:nextCondLst>
+            </p:seq>
+          </p:childTnLst>
+        </p:cTn>
+      </p:par>
+    </p:tnLst>
+  </p:timing>
+</p:sld>
+</file>
+
+<file path=ppt/slides/slide5.xml><?xml version="1.0" encoding="utf-8"?>
+<p:sld xmlns:a="http://schemas.openxmlformats.org/drawingml/2006/main" xmlns:r="http://schemas.openxmlformats.org/officeDocument/2006/relationships" xmlns:mc="http://schemas.openxmlformats.org/markup-compatibility/2006" xmlns:mv="urn:schemas-microsoft-com:mac:vml" xmlns:p="http://schemas.openxmlformats.org/presentationml/2006/main" xmlns:c="http://schemas.openxmlformats.org/drawingml/2006/chart" xmlns:dgm="http://schemas.openxmlformats.org/drawingml/2006/diagram" xmlns:o="urn:schemas-microsoft-com:office:office" xmlns:v="urn:schemas-microsoft-com:vml" xmlns:pvml="urn:schemas-microsoft-com:office:powerpoint" xmlns:com="http://schemas.openxmlformats.org/drawingml/2006/compatibility" xmlns:p14="http://schemas.microsoft.com/office/powerpoint/2010/main" xmlns:p15="http://schemas.microsoft.com/office/powerpoint/2012/main" xmlns:ahyp="http://schemas.microsoft.com/office/drawing/2018/hyperlinkcolor">
+  <p:cSld>
+    <p:spTree>
+      <p:nvGrpSpPr>
+        <p:cNvPr id="90" name="Shape 90"/>
+        <p:cNvGrpSpPr/>
+        <p:nvPr/>
+      </p:nvGrpSpPr>
+      <p:grpSpPr>
+        <a:xfrm>
+          <a:off x="0" y="0"/>
+          <a:ext cx="0" cy="0"/>
+          <a:chOff x="0" y="0"/>
+          <a:chExt cx="0" cy="0"/>
+        </a:xfrm>
+      </p:grpSpPr>
+      <p:sp>
+        <p:nvSpPr>
+          <p:cNvPr id="91" name="Google Shape;91;g10adc5e3a03_0_37"/>
+          <p:cNvSpPr txBox="1"/>
+          <p:nvPr/>
+        </p:nvSpPr>
+        <p:spPr>
+          <a:xfrm>
+            <a:off x="122250" y="2861350"/>
+            <a:ext cx="4292400" cy="400200"/>
+          </a:xfrm>
+          <a:prstGeom prst="rect">
+            <a:avLst/>
+          </a:prstGeom>
+          <a:noFill/>
+          <a:ln>
+            <a:noFill/>
+          </a:ln>
+        </p:spPr>
+        <p:txBody>
+          <a:bodyPr anchorCtr="0" anchor="t" bIns="91425" lIns="91425" spcFirstLastPara="1" rIns="91425" wrap="square" tIns="91425">
+            <a:spAutoFit/>
+          </a:bodyPr>
+          <a:lstStyle/>
+          <a:p>
+            <a:pPr indent="0" lvl="0" marL="0" rtl="0" algn="l">
+              <a:spcBef>
+                <a:spcPts val="0"/>
+              </a:spcBef>
+              <a:spcAft>
+                <a:spcPts val="0"/>
+              </a:spcAft>
+              <a:buNone/>
+            </a:pPr>
+            <a:r>
+              <a:rPr lang="en">
+                <a:solidFill>
+                  <a:srgbClr val="E69138"/>
+                </a:solidFill>
+              </a:rPr>
+              <a:t>Selectors</a:t>
+            </a:r>
+            <a:endParaRPr>
+              <a:solidFill>
+                <a:srgbClr val="E69138"/>
+              </a:solidFill>
+            </a:endParaRPr>
+          </a:p>
+        </p:txBody>
+      </p:sp>
+      <p:sp>
+        <p:nvSpPr>
+          <p:cNvPr id="92" name="Google Shape;92;g10adc5e3a03_0_37"/>
+          <p:cNvSpPr txBox="1"/>
+          <p:nvPr/>
+        </p:nvSpPr>
+        <p:spPr>
+          <a:xfrm>
+            <a:off x="122250" y="3145400"/>
+            <a:ext cx="4292400" cy="369300"/>
+          </a:xfrm>
+          <a:prstGeom prst="rect">
+            <a:avLst/>
+          </a:prstGeom>
+          <a:noFill/>
+          <a:ln>
+            <a:noFill/>
+          </a:ln>
+        </p:spPr>
+        <p:txBody>
+          <a:bodyPr anchorCtr="0" anchor="t" bIns="91425" lIns="91425" spcFirstLastPara="1" rIns="91425" wrap="square" tIns="91425">
+            <a:spAutoFit/>
+          </a:bodyPr>
+          <a:lstStyle/>
+          <a:p>
+            <a:pPr indent="0" lvl="0" marL="0" rtl="0" algn="l">
+              <a:spcBef>
+                <a:spcPts val="0"/>
+              </a:spcBef>
+              <a:spcAft>
+                <a:spcPts val="0"/>
+              </a:spcAft>
+              <a:buNone/>
+            </a:pPr>
+            <a:r>
+              <a:rPr lang="en" sz="1200">
+                <a:solidFill>
+                  <a:srgbClr val="3C78D8"/>
+                </a:solidFill>
+              </a:rPr>
+              <a:t>className</a:t>
+            </a:r>
+            <a:r>
+              <a:rPr lang="en" sz="1200">
+                <a:solidFill>
+                  <a:schemeClr val="dk1"/>
+                </a:solidFill>
+              </a:rPr>
+              <a:t> - apply to all elements in class</a:t>
+            </a:r>
+            <a:endParaRPr sz="1200">
+              <a:solidFill>
+                <a:schemeClr val="dk1"/>
+              </a:solidFill>
+            </a:endParaRPr>
+          </a:p>
+        </p:txBody>
+      </p:sp>
+      <p:sp>
+        <p:nvSpPr>
+          <p:cNvPr id="93" name="Google Shape;93;g10adc5e3a03_0_37"/>
+          <p:cNvSpPr txBox="1"/>
+          <p:nvPr/>
+        </p:nvSpPr>
+        <p:spPr>
+          <a:xfrm>
+            <a:off x="122250" y="3430550"/>
+            <a:ext cx="5825100" cy="369300"/>
+          </a:xfrm>
+          <a:prstGeom prst="rect">
+            <a:avLst/>
+          </a:prstGeom>
+          <a:noFill/>
+          <a:ln>
+            <a:noFill/>
+          </a:ln>
+        </p:spPr>
+        <p:txBody>
+          <a:bodyPr anchorCtr="0" anchor="t" bIns="91425" lIns="91425" spcFirstLastPara="1" rIns="91425" wrap="square" tIns="91425">
+            <a:spAutoFit/>
+          </a:bodyPr>
+          <a:lstStyle/>
+          <a:p>
+            <a:pPr indent="0" lvl="0" marL="0" rtl="0" algn="l">
+              <a:spcBef>
+                <a:spcPts val="0"/>
+              </a:spcBef>
+              <a:spcAft>
+                <a:spcPts val="0"/>
+              </a:spcAft>
+              <a:buNone/>
+            </a:pPr>
+            <a:r>
+              <a:rPr lang="en" sz="1200">
+                <a:solidFill>
+                  <a:srgbClr val="3C78D8"/>
+                </a:solidFill>
+              </a:rPr>
+              <a:t>className#variableName </a:t>
+            </a:r>
+            <a:r>
+              <a:rPr lang="en" sz="1200">
+                <a:solidFill>
+                  <a:schemeClr val="dk1"/>
+                </a:solidFill>
+              </a:rPr>
+              <a:t>- apply to a specific instance of a class</a:t>
+            </a:r>
+            <a:endParaRPr sz="1200">
+              <a:solidFill>
+                <a:schemeClr val="dk1"/>
+              </a:solidFill>
+            </a:endParaRPr>
+          </a:p>
+        </p:txBody>
+      </p:sp>
+      <p:sp>
+        <p:nvSpPr>
+          <p:cNvPr id="94" name="Google Shape;94;g10adc5e3a03_0_37"/>
+          <p:cNvSpPr txBox="1"/>
+          <p:nvPr/>
+        </p:nvSpPr>
+        <p:spPr>
+          <a:xfrm>
+            <a:off x="122250" y="3690750"/>
+            <a:ext cx="4292400" cy="369300"/>
+          </a:xfrm>
+          <a:prstGeom prst="rect">
+            <a:avLst/>
+          </a:prstGeom>
+          <a:noFill/>
+          <a:ln>
+            <a:noFill/>
+          </a:ln>
+        </p:spPr>
+        <p:txBody>
+          <a:bodyPr anchorCtr="0" anchor="t" bIns="91425" lIns="91425" spcFirstLastPara="1" rIns="91425" wrap="square" tIns="91425">
+            <a:spAutoFit/>
+          </a:bodyPr>
+          <a:lstStyle/>
+          <a:p>
+            <a:pPr indent="0" lvl="0" marL="0" rtl="0" algn="l">
+              <a:spcBef>
+                <a:spcPts val="0"/>
+              </a:spcBef>
+              <a:spcAft>
+                <a:spcPts val="0"/>
+              </a:spcAft>
+              <a:buNone/>
+            </a:pPr>
+            <a:r>
+              <a:rPr lang="en" sz="1200">
+                <a:solidFill>
+                  <a:srgbClr val="3C78D8"/>
+                </a:solidFill>
+              </a:rPr>
+              <a:t>className:state</a:t>
+            </a:r>
+            <a:r>
+              <a:rPr lang="en" sz="1200">
+                <a:solidFill>
+                  <a:schemeClr val="dk1"/>
+                </a:solidFill>
+              </a:rPr>
+              <a:t> - apply to a specific state</a:t>
+            </a:r>
+            <a:endParaRPr sz="1200">
+              <a:solidFill>
+                <a:schemeClr val="dk1"/>
+              </a:solidFill>
+            </a:endParaRPr>
+          </a:p>
+        </p:txBody>
+      </p:sp>
+      <p:sp>
+        <p:nvSpPr>
+          <p:cNvPr id="95" name="Google Shape;95;g10adc5e3a03_0_37"/>
+          <p:cNvSpPr txBox="1"/>
+          <p:nvPr/>
+        </p:nvSpPr>
+        <p:spPr>
+          <a:xfrm>
+            <a:off x="122250" y="3974800"/>
+            <a:ext cx="6516300" cy="369300"/>
+          </a:xfrm>
+          <a:prstGeom prst="rect">
+            <a:avLst/>
+          </a:prstGeom>
+          <a:noFill/>
+          <a:ln>
+            <a:noFill/>
+          </a:ln>
+        </p:spPr>
+        <p:txBody>
+          <a:bodyPr anchorCtr="0" anchor="t" bIns="91425" lIns="91425" spcFirstLastPara="1" rIns="91425" wrap="square" tIns="91425">
+            <a:spAutoFit/>
+          </a:bodyPr>
+          <a:lstStyle/>
+          <a:p>
+            <a:pPr indent="0" lvl="0" marL="0" rtl="0" algn="l">
+              <a:spcBef>
+                <a:spcPts val="0"/>
+              </a:spcBef>
+              <a:spcAft>
+                <a:spcPts val="0"/>
+              </a:spcAft>
+              <a:buNone/>
+            </a:pPr>
+            <a:r>
+              <a:rPr lang="en" sz="1200">
+                <a:solidFill>
+                  <a:srgbClr val="3C78D8"/>
+                </a:solidFill>
+              </a:rPr>
+              <a:t>className:subcontrol</a:t>
+            </a:r>
+            <a:r>
+              <a:rPr lang="en" sz="1200">
+                <a:solidFill>
+                  <a:schemeClr val="dk1"/>
+                </a:solidFill>
+              </a:rPr>
+              <a:t> - apply to specific sub-controls. up-arrow , etc. </a:t>
+            </a:r>
+            <a:endParaRPr sz="1200">
+              <a:solidFill>
+                <a:schemeClr val="dk1"/>
+              </a:solidFill>
+            </a:endParaRPr>
+          </a:p>
+        </p:txBody>
+      </p:sp>
+      <p:sp>
+        <p:nvSpPr>
+          <p:cNvPr id="96" name="Google Shape;96;g10adc5e3a03_0_37"/>
+          <p:cNvSpPr txBox="1"/>
+          <p:nvPr/>
+        </p:nvSpPr>
+        <p:spPr>
+          <a:xfrm>
+            <a:off x="122250" y="4259950"/>
+            <a:ext cx="6986400" cy="369300"/>
+          </a:xfrm>
+          <a:prstGeom prst="rect">
+            <a:avLst/>
+          </a:prstGeom>
+          <a:noFill/>
+          <a:ln>
+            <a:noFill/>
+          </a:ln>
+        </p:spPr>
+        <p:txBody>
+          <a:bodyPr anchorCtr="0" anchor="t" bIns="91425" lIns="91425" spcFirstLastPara="1" rIns="91425" wrap="square" tIns="91425">
+            <a:spAutoFit/>
+          </a:bodyPr>
+          <a:lstStyle/>
+          <a:p>
+            <a:pPr indent="0" lvl="0" marL="0" rtl="0" algn="l">
+              <a:spcBef>
+                <a:spcPts val="0"/>
+              </a:spcBef>
+              <a:spcAft>
+                <a:spcPts val="0"/>
+              </a:spcAft>
+              <a:buNone/>
+            </a:pPr>
+            <a:r>
+              <a:rPr lang="en" sz="1200">
+                <a:solidFill>
+                  <a:srgbClr val="3C78D8"/>
+                </a:solidFill>
+              </a:rPr>
+              <a:t>className[property=value]</a:t>
+            </a:r>
+            <a:r>
+              <a:rPr lang="en" sz="1200">
+                <a:solidFill>
+                  <a:schemeClr val="dk1"/>
+                </a:solidFill>
+              </a:rPr>
+              <a:t> - apply to all elements that satisfy the property condition</a:t>
+            </a:r>
+            <a:endParaRPr sz="1200">
+              <a:solidFill>
+                <a:schemeClr val="dk1"/>
+              </a:solidFill>
+            </a:endParaRPr>
+          </a:p>
+        </p:txBody>
+      </p:sp>
+      <p:sp>
+        <p:nvSpPr>
+          <p:cNvPr id="97" name="Google Shape;97;g10adc5e3a03_0_37"/>
+          <p:cNvSpPr txBox="1"/>
+          <p:nvPr/>
+        </p:nvSpPr>
+        <p:spPr>
+          <a:xfrm>
+            <a:off x="122250" y="4519050"/>
+            <a:ext cx="6986400" cy="369300"/>
+          </a:xfrm>
+          <a:prstGeom prst="rect">
+            <a:avLst/>
+          </a:prstGeom>
+          <a:noFill/>
+          <a:ln>
+            <a:noFill/>
+          </a:ln>
+        </p:spPr>
+        <p:txBody>
+          <a:bodyPr anchorCtr="0" anchor="t" bIns="91425" lIns="91425" spcFirstLastPara="1" rIns="91425" wrap="square" tIns="91425">
+            <a:spAutoFit/>
+          </a:bodyPr>
+          <a:lstStyle/>
+          <a:p>
+            <a:pPr indent="0" lvl="0" marL="0" rtl="0" algn="l">
+              <a:spcBef>
+                <a:spcPts val="0"/>
+              </a:spcBef>
+              <a:spcAft>
+                <a:spcPts val="0"/>
+              </a:spcAft>
+              <a:buNone/>
+            </a:pPr>
+            <a:r>
+              <a:rPr lang="en" sz="1200">
+                <a:solidFill>
+                  <a:srgbClr val="3C78D8"/>
+                </a:solidFill>
+              </a:rPr>
+              <a:t>classname1 classname2</a:t>
+            </a:r>
+            <a:r>
+              <a:rPr lang="en" sz="1200">
+                <a:solidFill>
+                  <a:schemeClr val="dk1"/>
+                </a:solidFill>
+              </a:rPr>
+              <a:t> - apply to all elements of classname2 that are children of classname1</a:t>
+            </a:r>
+            <a:endParaRPr sz="1200">
+              <a:solidFill>
+                <a:schemeClr val="dk1"/>
+              </a:solidFill>
+            </a:endParaRPr>
+          </a:p>
+        </p:txBody>
+      </p:sp>
+      <p:sp>
+        <p:nvSpPr>
+          <p:cNvPr id="98" name="Google Shape;98;g10adc5e3a03_0_37"/>
+          <p:cNvSpPr txBox="1"/>
+          <p:nvPr/>
+        </p:nvSpPr>
+        <p:spPr>
+          <a:xfrm>
+            <a:off x="122250" y="4774200"/>
+            <a:ext cx="6986400" cy="369300"/>
+          </a:xfrm>
+          <a:prstGeom prst="rect">
+            <a:avLst/>
+          </a:prstGeom>
+          <a:noFill/>
+          <a:ln>
+            <a:noFill/>
+          </a:ln>
+        </p:spPr>
+        <p:txBody>
+          <a:bodyPr anchorCtr="0" anchor="t" bIns="91425" lIns="91425" spcFirstLastPara="1" rIns="91425" wrap="square" tIns="91425">
+            <a:spAutoFit/>
+          </a:bodyPr>
+          <a:lstStyle/>
+          <a:p>
+            <a:pPr indent="0" lvl="0" marL="0" rtl="0" algn="l">
+              <a:spcBef>
+                <a:spcPts val="0"/>
+              </a:spcBef>
+              <a:spcAft>
+                <a:spcPts val="0"/>
+              </a:spcAft>
+              <a:buNone/>
+            </a:pPr>
+            <a:r>
+              <a:rPr lang="en" sz="1200">
+                <a:solidFill>
+                  <a:srgbClr val="3C78D8"/>
+                </a:solidFill>
+              </a:rPr>
+              <a:t>classname1, classname2</a:t>
+            </a:r>
+            <a:r>
+              <a:rPr lang="en" sz="1200">
+                <a:solidFill>
+                  <a:schemeClr val="dk1"/>
+                </a:solidFill>
+              </a:rPr>
+              <a:t> - apply to both classname1 and classname2</a:t>
+            </a:r>
+            <a:endParaRPr sz="1200">
+              <a:solidFill>
+                <a:schemeClr val="dk1"/>
+              </a:solidFill>
+            </a:endParaRPr>
+          </a:p>
+        </p:txBody>
+      </p:sp>
+      <p:sp>
+        <p:nvSpPr>
+          <p:cNvPr id="99" name="Google Shape;99;g10adc5e3a03_0_37"/>
+          <p:cNvSpPr txBox="1"/>
+          <p:nvPr/>
+        </p:nvSpPr>
+        <p:spPr>
+          <a:xfrm>
+            <a:off x="3004075" y="898000"/>
+            <a:ext cx="4292400" cy="400200"/>
+          </a:xfrm>
+          <a:prstGeom prst="rect">
+            <a:avLst/>
+          </a:prstGeom>
+          <a:noFill/>
+          <a:ln>
+            <a:noFill/>
+          </a:ln>
+        </p:spPr>
+        <p:txBody>
+          <a:bodyPr anchorCtr="0" anchor="t" bIns="91425" lIns="91425" spcFirstLastPara="1" rIns="91425" wrap="square" tIns="91425">
+            <a:spAutoFit/>
+          </a:bodyPr>
+          <a:lstStyle/>
+          <a:p>
+            <a:pPr indent="0" lvl="0" marL="0" rtl="0" algn="l">
+              <a:spcBef>
+                <a:spcPts val="0"/>
+              </a:spcBef>
+              <a:spcAft>
+                <a:spcPts val="0"/>
+              </a:spcAft>
+              <a:buNone/>
+            </a:pPr>
+            <a:r>
+              <a:rPr lang="en">
+                <a:solidFill>
+                  <a:srgbClr val="3C78D8"/>
+                </a:solidFill>
+              </a:rPr>
+              <a:t>setStyleSheet(str) - QApplication, QWidget</a:t>
+            </a:r>
+            <a:endParaRPr>
+              <a:solidFill>
+                <a:srgbClr val="3C78D8"/>
+              </a:solidFill>
+            </a:endParaRPr>
+          </a:p>
+        </p:txBody>
+      </p:sp>
+      <p:sp>
+        <p:nvSpPr>
+          <p:cNvPr id="100" name="Google Shape;100;g10adc5e3a03_0_37"/>
+          <p:cNvSpPr txBox="1"/>
+          <p:nvPr/>
+        </p:nvSpPr>
+        <p:spPr>
+          <a:xfrm>
+            <a:off x="3004075" y="1182050"/>
+            <a:ext cx="4292400" cy="400200"/>
+          </a:xfrm>
+          <a:prstGeom prst="rect">
+            <a:avLst/>
+          </a:prstGeom>
+          <a:noFill/>
+          <a:ln>
+            <a:noFill/>
+          </a:ln>
+        </p:spPr>
+        <p:txBody>
+          <a:bodyPr anchorCtr="0" anchor="t" bIns="91425" lIns="91425" spcFirstLastPara="1" rIns="91425" wrap="square" tIns="91425">
+            <a:spAutoFit/>
+          </a:bodyPr>
+          <a:lstStyle/>
+          <a:p>
+            <a:pPr indent="0" lvl="0" marL="0" rtl="0" algn="l">
+              <a:spcBef>
+                <a:spcPts val="0"/>
+              </a:spcBef>
+              <a:spcAft>
+                <a:spcPts val="0"/>
+              </a:spcAft>
+              <a:buNone/>
+            </a:pPr>
+            <a:r>
+              <a:rPr lang="en">
+                <a:solidFill>
+                  <a:srgbClr val="3C78D8"/>
+                </a:solidFill>
+              </a:rPr>
+              <a:t>Similar to CSS</a:t>
+            </a:r>
+            <a:endParaRPr>
+              <a:solidFill>
+                <a:srgbClr val="3C78D8"/>
+              </a:solidFill>
+            </a:endParaRPr>
+          </a:p>
+        </p:txBody>
+      </p:sp>
+      <p:sp>
+        <p:nvSpPr>
+          <p:cNvPr id="101" name="Google Shape;101;g10adc5e3a03_0_37"/>
+          <p:cNvSpPr txBox="1"/>
+          <p:nvPr/>
+        </p:nvSpPr>
+        <p:spPr>
+          <a:xfrm>
+            <a:off x="3004075" y="1467200"/>
+            <a:ext cx="4292400" cy="400200"/>
+          </a:xfrm>
+          <a:prstGeom prst="rect">
+            <a:avLst/>
+          </a:prstGeom>
+          <a:noFill/>
+          <a:ln>
+            <a:noFill/>
+          </a:ln>
+        </p:spPr>
+        <p:txBody>
+          <a:bodyPr anchorCtr="0" anchor="t" bIns="91425" lIns="91425" spcFirstLastPara="1" rIns="91425" wrap="square" tIns="91425">
+            <a:spAutoFit/>
+          </a:bodyPr>
+          <a:lstStyle/>
+          <a:p>
+            <a:pPr indent="0" lvl="0" marL="0" rtl="0" algn="l">
+              <a:spcBef>
+                <a:spcPts val="0"/>
+              </a:spcBef>
+              <a:spcAft>
+                <a:spcPts val="0"/>
+              </a:spcAft>
+              <a:buNone/>
+            </a:pPr>
+            <a:r>
+              <a:rPr lang="en">
+                <a:solidFill>
+                  <a:srgbClr val="E69138"/>
+                </a:solidFill>
+              </a:rPr>
+              <a:t>Selector</a:t>
+            </a:r>
+            <a:r>
+              <a:rPr lang="en">
+                <a:solidFill>
+                  <a:srgbClr val="1155CC"/>
+                </a:solidFill>
+              </a:rPr>
+              <a:t> </a:t>
+            </a:r>
+            <a:r>
+              <a:rPr lang="en">
+                <a:solidFill>
+                  <a:schemeClr val="dk1"/>
+                </a:solidFill>
+              </a:rPr>
+              <a:t>{</a:t>
+            </a:r>
+            <a:endParaRPr>
+              <a:solidFill>
+                <a:schemeClr val="dk1"/>
+              </a:solidFill>
+            </a:endParaRPr>
+          </a:p>
+        </p:txBody>
+      </p:sp>
+      <p:sp>
+        <p:nvSpPr>
+          <p:cNvPr id="102" name="Google Shape;102;g10adc5e3a03_0_37"/>
+          <p:cNvSpPr txBox="1"/>
+          <p:nvPr/>
+        </p:nvSpPr>
+        <p:spPr>
+          <a:xfrm>
+            <a:off x="3004075" y="1727400"/>
+            <a:ext cx="4292400" cy="400200"/>
+          </a:xfrm>
+          <a:prstGeom prst="rect">
+            <a:avLst/>
+          </a:prstGeom>
+          <a:noFill/>
+          <a:ln>
+            <a:noFill/>
+          </a:ln>
+        </p:spPr>
+        <p:txBody>
+          <a:bodyPr anchorCtr="0" anchor="t" bIns="91425" lIns="91425" spcFirstLastPara="1" rIns="91425" wrap="square" tIns="91425">
+            <a:spAutoFit/>
+          </a:bodyPr>
+          <a:lstStyle/>
+          <a:p>
+            <a:pPr indent="0" lvl="0" marL="457200" rtl="0" algn="l">
+              <a:spcBef>
+                <a:spcPts val="0"/>
+              </a:spcBef>
+              <a:spcAft>
+                <a:spcPts val="0"/>
+              </a:spcAft>
+              <a:buNone/>
+            </a:pPr>
+            <a:r>
+              <a:rPr lang="en">
+                <a:solidFill>
+                  <a:srgbClr val="3C78D8"/>
+                </a:solidFill>
+              </a:rPr>
+              <a:t>property1</a:t>
+            </a:r>
+            <a:r>
+              <a:rPr lang="en">
+                <a:solidFill>
+                  <a:schemeClr val="dk1"/>
+                </a:solidFill>
+              </a:rPr>
+              <a:t>:</a:t>
+            </a:r>
+            <a:r>
+              <a:rPr lang="en">
+                <a:solidFill>
+                  <a:srgbClr val="1155CC"/>
+                </a:solidFill>
+              </a:rPr>
+              <a:t> </a:t>
+            </a:r>
+            <a:r>
+              <a:rPr lang="en">
+                <a:solidFill>
+                  <a:srgbClr val="3C78D8"/>
+                </a:solidFill>
+              </a:rPr>
+              <a:t>value1</a:t>
+            </a:r>
+            <a:r>
+              <a:rPr lang="en">
+                <a:solidFill>
+                  <a:schemeClr val="dk1"/>
+                </a:solidFill>
+              </a:rPr>
+              <a:t>;</a:t>
+            </a:r>
+            <a:endParaRPr>
+              <a:solidFill>
+                <a:schemeClr val="dk1"/>
+              </a:solidFill>
+            </a:endParaRPr>
+          </a:p>
+        </p:txBody>
+      </p:sp>
+      <p:sp>
+        <p:nvSpPr>
+          <p:cNvPr id="103" name="Google Shape;103;g10adc5e3a03_0_37"/>
+          <p:cNvSpPr txBox="1"/>
+          <p:nvPr/>
+        </p:nvSpPr>
+        <p:spPr>
+          <a:xfrm>
+            <a:off x="3004075" y="2011450"/>
+            <a:ext cx="4292400" cy="400200"/>
+          </a:xfrm>
+          <a:prstGeom prst="rect">
+            <a:avLst/>
+          </a:prstGeom>
+          <a:noFill/>
+          <a:ln>
+            <a:noFill/>
+          </a:ln>
+        </p:spPr>
+        <p:txBody>
+          <a:bodyPr anchorCtr="0" anchor="t" bIns="91425" lIns="91425" spcFirstLastPara="1" rIns="91425" wrap="square" tIns="91425">
+            <a:spAutoFit/>
+          </a:bodyPr>
+          <a:lstStyle/>
+          <a:p>
+            <a:pPr indent="457200" lvl="0" marL="0" rtl="0" algn="l">
+              <a:spcBef>
+                <a:spcPts val="0"/>
+              </a:spcBef>
+              <a:spcAft>
+                <a:spcPts val="0"/>
+              </a:spcAft>
+              <a:buNone/>
+            </a:pPr>
+            <a:r>
+              <a:rPr lang="en">
+                <a:solidFill>
+                  <a:srgbClr val="3C78D8"/>
+                </a:solidFill>
+              </a:rPr>
+              <a:t>property2</a:t>
+            </a:r>
+            <a:r>
+              <a:rPr lang="en">
+                <a:solidFill>
+                  <a:schemeClr val="dk1"/>
+                </a:solidFill>
+              </a:rPr>
+              <a:t>:</a:t>
+            </a:r>
+            <a:r>
+              <a:rPr lang="en">
+                <a:solidFill>
+                  <a:srgbClr val="1155CC"/>
+                </a:solidFill>
+              </a:rPr>
+              <a:t> </a:t>
+            </a:r>
+            <a:r>
+              <a:rPr lang="en">
+                <a:solidFill>
+                  <a:srgbClr val="3C78D8"/>
+                </a:solidFill>
+              </a:rPr>
+              <a:t>value2</a:t>
+            </a:r>
+            <a:r>
+              <a:rPr lang="en">
+                <a:solidFill>
+                  <a:schemeClr val="dk1"/>
+                </a:solidFill>
+              </a:rPr>
+              <a:t>;</a:t>
+            </a:r>
+            <a:endParaRPr>
+              <a:solidFill>
+                <a:schemeClr val="dk1"/>
+              </a:solidFill>
+            </a:endParaRPr>
+          </a:p>
+        </p:txBody>
+      </p:sp>
+      <p:sp>
+        <p:nvSpPr>
+          <p:cNvPr id="104" name="Google Shape;104;g10adc5e3a03_0_37"/>
+          <p:cNvSpPr txBox="1"/>
+          <p:nvPr/>
+        </p:nvSpPr>
+        <p:spPr>
+          <a:xfrm>
+            <a:off x="3004075" y="2296600"/>
+            <a:ext cx="4292400" cy="400200"/>
+          </a:xfrm>
+          <a:prstGeom prst="rect">
+            <a:avLst/>
+          </a:prstGeom>
+          <a:noFill/>
+          <a:ln>
+            <a:noFill/>
+          </a:ln>
+        </p:spPr>
+        <p:txBody>
+          <a:bodyPr anchorCtr="0" anchor="t" bIns="91425" lIns="91425" spcFirstLastPara="1" rIns="91425" wrap="square" tIns="91425">
+            <a:spAutoFit/>
+          </a:bodyPr>
+          <a:lstStyle/>
+          <a:p>
+            <a:pPr indent="0" lvl="0" marL="0" rtl="0" algn="l">
+              <a:spcBef>
+                <a:spcPts val="0"/>
+              </a:spcBef>
+              <a:spcAft>
+                <a:spcPts val="0"/>
+              </a:spcAft>
+              <a:buNone/>
+            </a:pPr>
+            <a:r>
+              <a:rPr lang="en">
+                <a:solidFill>
+                  <a:schemeClr val="dk1"/>
+                </a:solidFill>
+              </a:rPr>
+              <a:t>}</a:t>
+            </a:r>
+            <a:endParaRPr>
+              <a:solidFill>
+                <a:schemeClr val="dk1"/>
+              </a:solidFill>
+            </a:endParaRPr>
+          </a:p>
+        </p:txBody>
+      </p:sp>
+      <p:sp>
+        <p:nvSpPr>
+          <p:cNvPr id="105" name="Google Shape;105;g10adc5e3a03_0_37"/>
+          <p:cNvSpPr txBox="1"/>
+          <p:nvPr/>
+        </p:nvSpPr>
+        <p:spPr>
+          <a:xfrm>
+            <a:off x="-42325" y="255775"/>
+            <a:ext cx="9144000" cy="572700"/>
+          </a:xfrm>
+          <a:prstGeom prst="rect">
+            <a:avLst/>
+          </a:prstGeom>
+          <a:noFill/>
+          <a:ln>
+            <a:noFill/>
+          </a:ln>
+        </p:spPr>
+        <p:txBody>
+          <a:bodyPr anchorCtr="0" anchor="t" bIns="91425" lIns="91425" spcFirstLastPara="1" rIns="91425" wrap="square" tIns="91425">
+            <a:noAutofit/>
+          </a:bodyPr>
+          <a:lstStyle/>
+          <a:p>
+            <a:pPr indent="0" lvl="0" marL="0" rtl="0" algn="ctr">
+              <a:spcBef>
+                <a:spcPts val="0"/>
+              </a:spcBef>
+              <a:spcAft>
+                <a:spcPts val="0"/>
+              </a:spcAft>
+              <a:buClr>
+                <a:srgbClr val="000000"/>
+              </a:buClr>
+              <a:buSzPts val="1000"/>
+              <a:buFont typeface="Arial"/>
+              <a:buNone/>
+            </a:pPr>
+            <a:r>
+              <a:rPr b="1" lang="en" sz="1800">
+                <a:solidFill>
+                  <a:srgbClr val="3C78D8"/>
+                </a:solidFill>
+              </a:rPr>
+              <a:t>Selectors</a:t>
+            </a:r>
+            <a:endParaRPr b="1" i="0" sz="1800" u="none" cap="none" strike="noStrike">
+              <a:solidFill>
+                <a:srgbClr val="3C78D8"/>
+              </a:solidFill>
+              <a:latin typeface="Arial"/>
+              <a:ea typeface="Arial"/>
+              <a:cs typeface="Arial"/>
+              <a:sym typeface="Arial"/>
+            </a:endParaRPr>
+          </a:p>
+        </p:txBody>
+      </p:sp>
+      <p:sp>
+        <p:nvSpPr>
+          <p:cNvPr id="106" name="Google Shape;106;g10adc5e3a03_0_37"/>
+          <p:cNvSpPr/>
+          <p:nvPr/>
+        </p:nvSpPr>
+        <p:spPr>
+          <a:xfrm>
+            <a:off x="16050" y="24750"/>
+            <a:ext cx="9111900" cy="5094000"/>
+          </a:xfrm>
+          <a:prstGeom prst="rect">
+            <a:avLst/>
+          </a:prstGeom>
+          <a:noFill/>
+          <a:ln cap="flat" cmpd="sng" w="9525">
+            <a:solidFill>
+              <a:srgbClr val="1155CC"/>
+            </a:solidFill>
+            <a:prstDash val="solid"/>
+            <a:round/>
+            <a:headEnd len="sm" w="sm" type="none"/>
+            <a:tailEnd len="sm" w="sm" type="none"/>
+          </a:ln>
+        </p:spPr>
+        <p:txBody>
+          <a:bodyPr anchorCtr="0" anchor="ctr" bIns="91425" lIns="91425" spcFirstLastPara="1" rIns="91425" wrap="square" tIns="91425">
+            <a:noAutofit/>
+          </a:bodyPr>
+          <a:lstStyle/>
+          <a:p>
+            <a:pPr indent="0" lvl="0" marL="0" marR="0" rtl="0" algn="l">
+              <a:lnSpc>
+                <a:spcPct val="100000"/>
+              </a:lnSpc>
+              <a:spcBef>
+                <a:spcPts val="0"/>
+              </a:spcBef>
+              <a:spcAft>
+                <a:spcPts val="0"/>
+              </a:spcAft>
+              <a:buClr>
+                <a:srgbClr val="000000"/>
+              </a:buClr>
+              <a:buSzPts val="1400"/>
+              <a:buFont typeface="Arial"/>
+              <a:buNone/>
+            </a:pPr>
+            <a:r>
+              <a:t/>
+            </a:r>
+            <a:endParaRPr b="0" i="0" sz="1400" u="none" cap="none" strike="noStrike">
+              <a:solidFill>
+                <a:srgbClr val="000000"/>
+              </a:solidFill>
+              <a:latin typeface="Arial"/>
+              <a:ea typeface="Arial"/>
+              <a:cs typeface="Arial"/>
+              <a:sym typeface="Arial"/>
+            </a:endParaRPr>
+          </a:p>
+        </p:txBody>
+      </p:sp>
+    </p:spTree>
+  </p:cSld>
+  <p:clrMapOvr>
+    <a:masterClrMapping/>
+  </p:clrMapOvr>
+  <p:timing>
+    <p:tnLst>
+      <p:par>
+        <p:cTn dur="indefinite" nodeType="tmRoot" restart="never">
+          <p:childTnLst>
+            <p:seq concurrent="1" nextAc="seek">
+              <p:cTn dur="indefinite" id="2" nodeType="mainSeq">
+                <p:childTnLst>
                   <p:par>
                     <p:cTn fill="hold">
                       <p:stCondLst>
@@ -12879,1168 +12982,6 @@
                       </p:childTnLst>
                     </p:cTn>
                   </p:par>
-                </p:childTnLst>
-              </p:cTn>
-              <p:prevCondLst>
-                <p:cond evt="onPrev">
-                  <p:tgtEl>
-                    <p:sldTgt/>
-                  </p:tgtEl>
-                </p:cond>
-              </p:prevCondLst>
-              <p:nextCondLst>
-                <p:cond evt="onNext">
-                  <p:tgtEl>
-                    <p:sldTgt/>
-                  </p:tgtEl>
-                </p:cond>
-              </p:nextCondLst>
-            </p:seq>
-          </p:childTnLst>
-        </p:cTn>
-      </p:par>
-    </p:tnLst>
-  </p:timing>
-</p:sld>
-</file>
-
-<file path=ppt/slides/slide6.xml><?xml version="1.0" encoding="utf-8"?>
-<p:sld xmlns:a="http://schemas.openxmlformats.org/drawingml/2006/main" xmlns:r="http://schemas.openxmlformats.org/officeDocument/2006/relationships" xmlns:mc="http://schemas.openxmlformats.org/markup-compatibility/2006" xmlns:mv="urn:schemas-microsoft-com:mac:vml" xmlns:p="http://schemas.openxmlformats.org/presentationml/2006/main" xmlns:c="http://schemas.openxmlformats.org/drawingml/2006/chart" xmlns:dgm="http://schemas.openxmlformats.org/drawingml/2006/diagram" xmlns:o="urn:schemas-microsoft-com:office:office" xmlns:v="urn:schemas-microsoft-com:vml" xmlns:pvml="urn:schemas-microsoft-com:office:powerpoint" xmlns:com="http://schemas.openxmlformats.org/drawingml/2006/compatibility" xmlns:p14="http://schemas.microsoft.com/office/powerpoint/2010/main" xmlns:p15="http://schemas.microsoft.com/office/powerpoint/2012/main" xmlns:ahyp="http://schemas.microsoft.com/office/drawing/2018/hyperlinkcolor">
-  <p:cSld>
-    <p:spTree>
-      <p:nvGrpSpPr>
-        <p:cNvPr id="105" name="Shape 105"/>
-        <p:cNvGrpSpPr/>
-        <p:nvPr/>
-      </p:nvGrpSpPr>
-      <p:grpSpPr>
-        <a:xfrm>
-          <a:off x="0" y="0"/>
-          <a:ext cx="0" cy="0"/>
-          <a:chOff x="0" y="0"/>
-          <a:chExt cx="0" cy="0"/>
-        </a:xfrm>
-      </p:grpSpPr>
-      <p:sp>
-        <p:nvSpPr>
-          <p:cNvPr id="106" name="Google Shape;106;g10adc5e3a03_0_14"/>
-          <p:cNvSpPr txBox="1"/>
-          <p:nvPr/>
-        </p:nvSpPr>
-        <p:spPr>
-          <a:xfrm>
-            <a:off x="122250" y="2861350"/>
-            <a:ext cx="4292400" cy="400200"/>
-          </a:xfrm>
-          <a:prstGeom prst="rect">
-            <a:avLst/>
-          </a:prstGeom>
-          <a:noFill/>
-          <a:ln>
-            <a:noFill/>
-          </a:ln>
-        </p:spPr>
-        <p:txBody>
-          <a:bodyPr anchorCtr="0" anchor="t" bIns="91425" lIns="91425" spcFirstLastPara="1" rIns="91425" wrap="square" tIns="91425">
-            <a:spAutoFit/>
-          </a:bodyPr>
-          <a:lstStyle/>
-          <a:p>
-            <a:pPr indent="0" lvl="0" marL="0" rtl="0" algn="l">
-              <a:spcBef>
-                <a:spcPts val="0"/>
-              </a:spcBef>
-              <a:spcAft>
-                <a:spcPts val="0"/>
-              </a:spcAft>
-              <a:buNone/>
-            </a:pPr>
-            <a:r>
-              <a:rPr lang="en">
-                <a:solidFill>
-                  <a:srgbClr val="E69138"/>
-                </a:solidFill>
-              </a:rPr>
-              <a:t>Properties</a:t>
-            </a:r>
-            <a:endParaRPr>
-              <a:solidFill>
-                <a:srgbClr val="E69138"/>
-              </a:solidFill>
-            </a:endParaRPr>
-          </a:p>
-        </p:txBody>
-      </p:sp>
-      <p:sp>
-        <p:nvSpPr>
-          <p:cNvPr id="107" name="Google Shape;107;g10adc5e3a03_0_14"/>
-          <p:cNvSpPr txBox="1"/>
-          <p:nvPr/>
-        </p:nvSpPr>
-        <p:spPr>
-          <a:xfrm>
-            <a:off x="122250" y="3145400"/>
-            <a:ext cx="4292400" cy="369300"/>
-          </a:xfrm>
-          <a:prstGeom prst="rect">
-            <a:avLst/>
-          </a:prstGeom>
-          <a:noFill/>
-          <a:ln>
-            <a:noFill/>
-          </a:ln>
-        </p:spPr>
-        <p:txBody>
-          <a:bodyPr anchorCtr="0" anchor="t" bIns="91425" lIns="91425" spcFirstLastPara="1" rIns="91425" wrap="square" tIns="91425">
-            <a:spAutoFit/>
-          </a:bodyPr>
-          <a:lstStyle/>
-          <a:p>
-            <a:pPr indent="0" lvl="0" marL="0" rtl="0" algn="l">
-              <a:spcBef>
-                <a:spcPts val="0"/>
-              </a:spcBef>
-              <a:spcAft>
-                <a:spcPts val="0"/>
-              </a:spcAft>
-              <a:buNone/>
-            </a:pPr>
-            <a:r>
-              <a:rPr lang="en" sz="1200">
-                <a:solidFill>
-                  <a:srgbClr val="3C78D8"/>
-                </a:solidFill>
-              </a:rPr>
-              <a:t>color</a:t>
-            </a:r>
-            <a:r>
-              <a:rPr lang="en" sz="1200">
-                <a:solidFill>
-                  <a:schemeClr val="dk1"/>
-                </a:solidFill>
-              </a:rPr>
-              <a:t> - text color:red</a:t>
-            </a:r>
-            <a:endParaRPr sz="1200">
-              <a:solidFill>
-                <a:schemeClr val="dk1"/>
-              </a:solidFill>
-            </a:endParaRPr>
-          </a:p>
-        </p:txBody>
-      </p:sp>
-      <p:sp>
-        <p:nvSpPr>
-          <p:cNvPr id="108" name="Google Shape;108;g10adc5e3a03_0_14"/>
-          <p:cNvSpPr txBox="1"/>
-          <p:nvPr/>
-        </p:nvSpPr>
-        <p:spPr>
-          <a:xfrm>
-            <a:off x="122250" y="3430550"/>
-            <a:ext cx="5825100" cy="369300"/>
-          </a:xfrm>
-          <a:prstGeom prst="rect">
-            <a:avLst/>
-          </a:prstGeom>
-          <a:noFill/>
-          <a:ln>
-            <a:noFill/>
-          </a:ln>
-        </p:spPr>
-        <p:txBody>
-          <a:bodyPr anchorCtr="0" anchor="t" bIns="91425" lIns="91425" spcFirstLastPara="1" rIns="91425" wrap="square" tIns="91425">
-            <a:spAutoFit/>
-          </a:bodyPr>
-          <a:lstStyle/>
-          <a:p>
-            <a:pPr indent="0" lvl="0" marL="0" rtl="0" algn="l">
-              <a:spcBef>
-                <a:spcPts val="0"/>
-              </a:spcBef>
-              <a:spcAft>
-                <a:spcPts val="0"/>
-              </a:spcAft>
-              <a:buNone/>
-            </a:pPr>
-            <a:r>
-              <a:rPr lang="en" sz="1200">
-                <a:solidFill>
-                  <a:srgbClr val="3C78D8"/>
-                </a:solidFill>
-              </a:rPr>
-              <a:t>background-color</a:t>
-            </a:r>
-            <a:r>
-              <a:rPr lang="en" sz="1200">
-                <a:solidFill>
-                  <a:schemeClr val="dk1"/>
-                </a:solidFill>
-              </a:rPr>
-              <a:t>:</a:t>
-            </a:r>
-            <a:r>
-              <a:rPr lang="en" sz="1200">
-                <a:solidFill>
-                  <a:srgbClr val="3C78D8"/>
-                </a:solidFill>
-              </a:rPr>
-              <a:t> </a:t>
-            </a:r>
-            <a:r>
-              <a:rPr lang="en" sz="1200">
-                <a:solidFill>
-                  <a:schemeClr val="dk1"/>
-                </a:solidFill>
-              </a:rPr>
-              <a:t>#FF0000</a:t>
-            </a:r>
-            <a:endParaRPr sz="1200">
-              <a:solidFill>
-                <a:schemeClr val="dk1"/>
-              </a:solidFill>
-            </a:endParaRPr>
-          </a:p>
-        </p:txBody>
-      </p:sp>
-      <p:sp>
-        <p:nvSpPr>
-          <p:cNvPr id="109" name="Google Shape;109;g10adc5e3a03_0_14"/>
-          <p:cNvSpPr txBox="1"/>
-          <p:nvPr/>
-        </p:nvSpPr>
-        <p:spPr>
-          <a:xfrm>
-            <a:off x="122250" y="3690750"/>
-            <a:ext cx="4292400" cy="369300"/>
-          </a:xfrm>
-          <a:prstGeom prst="rect">
-            <a:avLst/>
-          </a:prstGeom>
-          <a:noFill/>
-          <a:ln>
-            <a:noFill/>
-          </a:ln>
-        </p:spPr>
-        <p:txBody>
-          <a:bodyPr anchorCtr="0" anchor="t" bIns="91425" lIns="91425" spcFirstLastPara="1" rIns="91425" wrap="square" tIns="91425">
-            <a:spAutoFit/>
-          </a:bodyPr>
-          <a:lstStyle/>
-          <a:p>
-            <a:pPr indent="0" lvl="0" marL="0" rtl="0" algn="l">
-              <a:spcBef>
-                <a:spcPts val="0"/>
-              </a:spcBef>
-              <a:spcAft>
-                <a:spcPts val="0"/>
-              </a:spcAft>
-              <a:buNone/>
-            </a:pPr>
-            <a:r>
-              <a:rPr lang="en" sz="1200">
-                <a:solidFill>
-                  <a:srgbClr val="3C78D8"/>
-                </a:solidFill>
-              </a:rPr>
-              <a:t>background-image</a:t>
-            </a:r>
-            <a:r>
-              <a:rPr lang="en" sz="1200">
-                <a:solidFill>
-                  <a:schemeClr val="dk1"/>
-                </a:solidFill>
-              </a:rPr>
-              <a:t>: url(path.jpg)</a:t>
-            </a:r>
-            <a:endParaRPr sz="1200">
-              <a:solidFill>
-                <a:schemeClr val="dk1"/>
-              </a:solidFill>
-            </a:endParaRPr>
-          </a:p>
-        </p:txBody>
-      </p:sp>
-      <p:sp>
-        <p:nvSpPr>
-          <p:cNvPr id="110" name="Google Shape;110;g10adc5e3a03_0_14"/>
-          <p:cNvSpPr txBox="1"/>
-          <p:nvPr/>
-        </p:nvSpPr>
-        <p:spPr>
-          <a:xfrm>
-            <a:off x="122250" y="3974800"/>
-            <a:ext cx="6516300" cy="369300"/>
-          </a:xfrm>
-          <a:prstGeom prst="rect">
-            <a:avLst/>
-          </a:prstGeom>
-          <a:noFill/>
-          <a:ln>
-            <a:noFill/>
-          </a:ln>
-        </p:spPr>
-        <p:txBody>
-          <a:bodyPr anchorCtr="0" anchor="t" bIns="91425" lIns="91425" spcFirstLastPara="1" rIns="91425" wrap="square" tIns="91425">
-            <a:spAutoFit/>
-          </a:bodyPr>
-          <a:lstStyle/>
-          <a:p>
-            <a:pPr indent="0" lvl="0" marL="0" rtl="0" algn="l">
-              <a:spcBef>
-                <a:spcPts val="0"/>
-              </a:spcBef>
-              <a:spcAft>
-                <a:spcPts val="0"/>
-              </a:spcAft>
-              <a:buNone/>
-            </a:pPr>
-            <a:r>
-              <a:rPr lang="en" sz="1200">
-                <a:solidFill>
-                  <a:srgbClr val="3C78D8"/>
-                </a:solidFill>
-              </a:rPr>
-              <a:t>border</a:t>
-            </a:r>
-            <a:r>
-              <a:rPr lang="en" sz="1200">
-                <a:solidFill>
-                  <a:schemeClr val="dk1"/>
-                </a:solidFill>
-              </a:rPr>
-              <a:t>: width style color</a:t>
-            </a:r>
-            <a:endParaRPr sz="1200">
-              <a:solidFill>
-                <a:schemeClr val="dk1"/>
-              </a:solidFill>
-            </a:endParaRPr>
-          </a:p>
-        </p:txBody>
-      </p:sp>
-      <p:sp>
-        <p:nvSpPr>
-          <p:cNvPr id="111" name="Google Shape;111;g10adc5e3a03_0_14"/>
-          <p:cNvSpPr txBox="1"/>
-          <p:nvPr/>
-        </p:nvSpPr>
-        <p:spPr>
-          <a:xfrm>
-            <a:off x="122250" y="4259950"/>
-            <a:ext cx="6986400" cy="354000"/>
-          </a:xfrm>
-          <a:prstGeom prst="rect">
-            <a:avLst/>
-          </a:prstGeom>
-          <a:noFill/>
-          <a:ln>
-            <a:noFill/>
-          </a:ln>
-        </p:spPr>
-        <p:txBody>
-          <a:bodyPr anchorCtr="0" anchor="t" bIns="91425" lIns="91425" spcFirstLastPara="1" rIns="91425" wrap="square" tIns="91425">
-            <a:spAutoFit/>
-          </a:bodyPr>
-          <a:lstStyle/>
-          <a:p>
-            <a:pPr indent="457200" lvl="0" marL="0" rtl="0" algn="l">
-              <a:spcBef>
-                <a:spcPts val="0"/>
-              </a:spcBef>
-              <a:spcAft>
-                <a:spcPts val="0"/>
-              </a:spcAft>
-              <a:buNone/>
-            </a:pPr>
-            <a:r>
-              <a:rPr lang="en" sz="1100">
-                <a:solidFill>
-                  <a:srgbClr val="3C78D8"/>
-                </a:solidFill>
-              </a:rPr>
-              <a:t>border</a:t>
-            </a:r>
-            <a:r>
-              <a:rPr lang="en" sz="1100">
-                <a:solidFill>
-                  <a:schemeClr val="dk1"/>
-                </a:solidFill>
-              </a:rPr>
-              <a:t>: 2px dashed rgb(255, 0, 0)</a:t>
-            </a:r>
-            <a:endParaRPr sz="1100">
-              <a:solidFill>
-                <a:schemeClr val="dk1"/>
-              </a:solidFill>
-            </a:endParaRPr>
-          </a:p>
-        </p:txBody>
-      </p:sp>
-      <p:sp>
-        <p:nvSpPr>
-          <p:cNvPr id="112" name="Google Shape;112;g10adc5e3a03_0_14"/>
-          <p:cNvSpPr txBox="1"/>
-          <p:nvPr/>
-        </p:nvSpPr>
-        <p:spPr>
-          <a:xfrm>
-            <a:off x="122250" y="4519050"/>
-            <a:ext cx="6986400" cy="369300"/>
-          </a:xfrm>
-          <a:prstGeom prst="rect">
-            <a:avLst/>
-          </a:prstGeom>
-          <a:noFill/>
-          <a:ln>
-            <a:noFill/>
-          </a:ln>
-        </p:spPr>
-        <p:txBody>
-          <a:bodyPr anchorCtr="0" anchor="t" bIns="91425" lIns="91425" spcFirstLastPara="1" rIns="91425" wrap="square" tIns="91425">
-            <a:spAutoFit/>
-          </a:bodyPr>
-          <a:lstStyle/>
-          <a:p>
-            <a:pPr indent="0" lvl="0" marL="0" rtl="0" algn="l">
-              <a:spcBef>
-                <a:spcPts val="0"/>
-              </a:spcBef>
-              <a:spcAft>
-                <a:spcPts val="0"/>
-              </a:spcAft>
-              <a:buNone/>
-            </a:pPr>
-            <a:r>
-              <a:rPr lang="en" sz="1200">
-                <a:solidFill>
-                  <a:srgbClr val="3C78D8"/>
-                </a:solidFill>
-              </a:rPr>
-              <a:t>border-radius</a:t>
-            </a:r>
-            <a:r>
-              <a:rPr lang="en" sz="1200">
-                <a:solidFill>
-                  <a:schemeClr val="dk1"/>
-                </a:solidFill>
-              </a:rPr>
-              <a:t>: 5px</a:t>
-            </a:r>
-            <a:endParaRPr sz="1200">
-              <a:solidFill>
-                <a:schemeClr val="dk1"/>
-              </a:solidFill>
-            </a:endParaRPr>
-          </a:p>
-        </p:txBody>
-      </p:sp>
-      <p:sp>
-        <p:nvSpPr>
-          <p:cNvPr id="113" name="Google Shape;113;g10adc5e3a03_0_14"/>
-          <p:cNvSpPr txBox="1"/>
-          <p:nvPr/>
-        </p:nvSpPr>
-        <p:spPr>
-          <a:xfrm>
-            <a:off x="122250" y="4774200"/>
-            <a:ext cx="6986400" cy="369300"/>
-          </a:xfrm>
-          <a:prstGeom prst="rect">
-            <a:avLst/>
-          </a:prstGeom>
-          <a:noFill/>
-          <a:ln>
-            <a:noFill/>
-          </a:ln>
-        </p:spPr>
-        <p:txBody>
-          <a:bodyPr anchorCtr="0" anchor="t" bIns="91425" lIns="91425" spcFirstLastPara="1" rIns="91425" wrap="square" tIns="91425">
-            <a:spAutoFit/>
-          </a:bodyPr>
-          <a:lstStyle/>
-          <a:p>
-            <a:pPr indent="0" lvl="0" marL="0" rtl="0" algn="l">
-              <a:spcBef>
-                <a:spcPts val="0"/>
-              </a:spcBef>
-              <a:spcAft>
-                <a:spcPts val="0"/>
-              </a:spcAft>
-              <a:buNone/>
-            </a:pPr>
-            <a:r>
-              <a:rPr lang="en" sz="1200">
-                <a:solidFill>
-                  <a:srgbClr val="3C78D8"/>
-                </a:solidFill>
-              </a:rPr>
-              <a:t>font</a:t>
-            </a:r>
-            <a:r>
-              <a:rPr lang="en" sz="1200">
-                <a:solidFill>
-                  <a:schemeClr val="dk1"/>
-                </a:solidFill>
-              </a:rPr>
-              <a:t>: bold italic large “Times New Roman”</a:t>
-            </a:r>
-            <a:endParaRPr sz="1200">
-              <a:solidFill>
-                <a:schemeClr val="dk1"/>
-              </a:solidFill>
-            </a:endParaRPr>
-          </a:p>
-        </p:txBody>
-      </p:sp>
-      <p:sp>
-        <p:nvSpPr>
-          <p:cNvPr id="114" name="Google Shape;114;g10adc5e3a03_0_14"/>
-          <p:cNvSpPr txBox="1"/>
-          <p:nvPr/>
-        </p:nvSpPr>
-        <p:spPr>
-          <a:xfrm>
-            <a:off x="4223950" y="3145400"/>
-            <a:ext cx="4292400" cy="369300"/>
-          </a:xfrm>
-          <a:prstGeom prst="rect">
-            <a:avLst/>
-          </a:prstGeom>
-          <a:noFill/>
-          <a:ln>
-            <a:noFill/>
-          </a:ln>
-        </p:spPr>
-        <p:txBody>
-          <a:bodyPr anchorCtr="0" anchor="t" bIns="91425" lIns="91425" spcFirstLastPara="1" rIns="91425" wrap="square" tIns="91425">
-            <a:spAutoFit/>
-          </a:bodyPr>
-          <a:lstStyle/>
-          <a:p>
-            <a:pPr indent="0" lvl="0" marL="0" rtl="0" algn="l">
-              <a:spcBef>
-                <a:spcPts val="0"/>
-              </a:spcBef>
-              <a:spcAft>
-                <a:spcPts val="0"/>
-              </a:spcAft>
-              <a:buNone/>
-            </a:pPr>
-            <a:r>
-              <a:rPr lang="en" sz="1200">
-                <a:solidFill>
-                  <a:srgbClr val="3C78D8"/>
-                </a:solidFill>
-              </a:rPr>
-              <a:t>height</a:t>
-            </a:r>
-            <a:r>
-              <a:rPr lang="en" sz="1200">
-                <a:solidFill>
-                  <a:schemeClr val="dk1"/>
-                </a:solidFill>
-              </a:rPr>
-              <a:t>:</a:t>
-            </a:r>
-            <a:r>
-              <a:rPr lang="en" sz="1200">
-                <a:solidFill>
-                  <a:schemeClr val="dk1"/>
-                </a:solidFill>
-              </a:rPr>
-              <a:t> 10px</a:t>
-            </a:r>
-            <a:endParaRPr sz="1200">
-              <a:solidFill>
-                <a:schemeClr val="dk1"/>
-              </a:solidFill>
-            </a:endParaRPr>
-          </a:p>
-        </p:txBody>
-      </p:sp>
-      <p:sp>
-        <p:nvSpPr>
-          <p:cNvPr id="115" name="Google Shape;115;g10adc5e3a03_0_14"/>
-          <p:cNvSpPr txBox="1"/>
-          <p:nvPr/>
-        </p:nvSpPr>
-        <p:spPr>
-          <a:xfrm>
-            <a:off x="4223950" y="3401225"/>
-            <a:ext cx="4292400" cy="369300"/>
-          </a:xfrm>
-          <a:prstGeom prst="rect">
-            <a:avLst/>
-          </a:prstGeom>
-          <a:noFill/>
-          <a:ln>
-            <a:noFill/>
-          </a:ln>
-        </p:spPr>
-        <p:txBody>
-          <a:bodyPr anchorCtr="0" anchor="t" bIns="91425" lIns="91425" spcFirstLastPara="1" rIns="91425" wrap="square" tIns="91425">
-            <a:spAutoFit/>
-          </a:bodyPr>
-          <a:lstStyle/>
-          <a:p>
-            <a:pPr indent="0" lvl="0" marL="0" rtl="0" algn="l">
-              <a:spcBef>
-                <a:spcPts val="0"/>
-              </a:spcBef>
-              <a:spcAft>
-                <a:spcPts val="0"/>
-              </a:spcAft>
-              <a:buNone/>
-            </a:pPr>
-            <a:r>
-              <a:rPr lang="en" sz="1200">
-                <a:solidFill>
-                  <a:srgbClr val="3C78D8"/>
-                </a:solidFill>
-              </a:rPr>
-              <a:t>width</a:t>
-            </a:r>
-            <a:r>
-              <a:rPr lang="en" sz="1200">
-                <a:solidFill>
-                  <a:schemeClr val="dk1"/>
-                </a:solidFill>
-              </a:rPr>
-              <a:t>: 50px</a:t>
-            </a:r>
-            <a:endParaRPr sz="1200">
-              <a:solidFill>
-                <a:schemeClr val="dk1"/>
-              </a:solidFill>
-            </a:endParaRPr>
-          </a:p>
-        </p:txBody>
-      </p:sp>
-      <p:sp>
-        <p:nvSpPr>
-          <p:cNvPr id="116" name="Google Shape;116;g10adc5e3a03_0_14"/>
-          <p:cNvSpPr txBox="1"/>
-          <p:nvPr/>
-        </p:nvSpPr>
-        <p:spPr>
-          <a:xfrm>
-            <a:off x="4223950" y="3702675"/>
-            <a:ext cx="4292400" cy="369300"/>
-          </a:xfrm>
-          <a:prstGeom prst="rect">
-            <a:avLst/>
-          </a:prstGeom>
-          <a:noFill/>
-          <a:ln>
-            <a:noFill/>
-          </a:ln>
-        </p:spPr>
-        <p:txBody>
-          <a:bodyPr anchorCtr="0" anchor="t" bIns="91425" lIns="91425" spcFirstLastPara="1" rIns="91425" wrap="square" tIns="91425">
-            <a:spAutoFit/>
-          </a:bodyPr>
-          <a:lstStyle/>
-          <a:p>
-            <a:pPr indent="0" lvl="0" marL="0" rtl="0" algn="l">
-              <a:spcBef>
-                <a:spcPts val="0"/>
-              </a:spcBef>
-              <a:spcAft>
-                <a:spcPts val="0"/>
-              </a:spcAft>
-              <a:buNone/>
-            </a:pPr>
-            <a:r>
-              <a:rPr lang="en" sz="1200">
-                <a:solidFill>
-                  <a:srgbClr val="3C78D8"/>
-                </a:solidFill>
-              </a:rPr>
-              <a:t>margin, padding</a:t>
-            </a:r>
-            <a:endParaRPr sz="1200">
-              <a:solidFill>
-                <a:schemeClr val="dk1"/>
-              </a:solidFill>
-            </a:endParaRPr>
-          </a:p>
-        </p:txBody>
-      </p:sp>
-      <p:sp>
-        <p:nvSpPr>
-          <p:cNvPr id="117" name="Google Shape;117;g10adc5e3a03_0_14"/>
-          <p:cNvSpPr txBox="1"/>
-          <p:nvPr/>
-        </p:nvSpPr>
-        <p:spPr>
-          <a:xfrm>
-            <a:off x="4223950" y="3974800"/>
-            <a:ext cx="4292400" cy="369300"/>
-          </a:xfrm>
-          <a:prstGeom prst="rect">
-            <a:avLst/>
-          </a:prstGeom>
-          <a:noFill/>
-          <a:ln>
-            <a:noFill/>
-          </a:ln>
-        </p:spPr>
-        <p:txBody>
-          <a:bodyPr anchorCtr="0" anchor="t" bIns="91425" lIns="91425" spcFirstLastPara="1" rIns="91425" wrap="square" tIns="91425">
-            <a:spAutoFit/>
-          </a:bodyPr>
-          <a:lstStyle/>
-          <a:p>
-            <a:pPr indent="0" lvl="0" marL="0" rtl="0" algn="l">
-              <a:spcBef>
-                <a:spcPts val="0"/>
-              </a:spcBef>
-              <a:spcAft>
-                <a:spcPts val="0"/>
-              </a:spcAft>
-              <a:buNone/>
-            </a:pPr>
-            <a:r>
-              <a:rPr lang="en" sz="1200">
-                <a:solidFill>
-                  <a:srgbClr val="3C78D8"/>
-                </a:solidFill>
-              </a:rPr>
-              <a:t>text-align</a:t>
-            </a:r>
-            <a:r>
-              <a:rPr lang="en" sz="1200">
-                <a:solidFill>
-                  <a:schemeClr val="dk1"/>
-                </a:solidFill>
-              </a:rPr>
-              <a:t>: left</a:t>
-            </a:r>
-            <a:endParaRPr sz="1200">
-              <a:solidFill>
-                <a:schemeClr val="dk1"/>
-              </a:solidFill>
-            </a:endParaRPr>
-          </a:p>
-        </p:txBody>
-      </p:sp>
-      <p:sp>
-        <p:nvSpPr>
-          <p:cNvPr id="118" name="Google Shape;118;g10adc5e3a03_0_14"/>
-          <p:cNvSpPr txBox="1"/>
-          <p:nvPr/>
-        </p:nvSpPr>
-        <p:spPr>
-          <a:xfrm>
-            <a:off x="3004075" y="898000"/>
-            <a:ext cx="4292400" cy="400200"/>
-          </a:xfrm>
-          <a:prstGeom prst="rect">
-            <a:avLst/>
-          </a:prstGeom>
-          <a:noFill/>
-          <a:ln>
-            <a:noFill/>
-          </a:ln>
-        </p:spPr>
-        <p:txBody>
-          <a:bodyPr anchorCtr="0" anchor="t" bIns="91425" lIns="91425" spcFirstLastPara="1" rIns="91425" wrap="square" tIns="91425">
-            <a:spAutoFit/>
-          </a:bodyPr>
-          <a:lstStyle/>
-          <a:p>
-            <a:pPr indent="0" lvl="0" marL="0" rtl="0" algn="l">
-              <a:spcBef>
-                <a:spcPts val="0"/>
-              </a:spcBef>
-              <a:spcAft>
-                <a:spcPts val="0"/>
-              </a:spcAft>
-              <a:buNone/>
-            </a:pPr>
-            <a:r>
-              <a:rPr lang="en">
-                <a:solidFill>
-                  <a:srgbClr val="3C78D8"/>
-                </a:solidFill>
-              </a:rPr>
-              <a:t>setStyleSheet(str) - QApplication, QWidget</a:t>
-            </a:r>
-            <a:endParaRPr>
-              <a:solidFill>
-                <a:srgbClr val="3C78D8"/>
-              </a:solidFill>
-            </a:endParaRPr>
-          </a:p>
-        </p:txBody>
-      </p:sp>
-      <p:sp>
-        <p:nvSpPr>
-          <p:cNvPr id="119" name="Google Shape;119;g10adc5e3a03_0_14"/>
-          <p:cNvSpPr txBox="1"/>
-          <p:nvPr/>
-        </p:nvSpPr>
-        <p:spPr>
-          <a:xfrm>
-            <a:off x="3004075" y="1182050"/>
-            <a:ext cx="4292400" cy="400200"/>
-          </a:xfrm>
-          <a:prstGeom prst="rect">
-            <a:avLst/>
-          </a:prstGeom>
-          <a:noFill/>
-          <a:ln>
-            <a:noFill/>
-          </a:ln>
-        </p:spPr>
-        <p:txBody>
-          <a:bodyPr anchorCtr="0" anchor="t" bIns="91425" lIns="91425" spcFirstLastPara="1" rIns="91425" wrap="square" tIns="91425">
-            <a:spAutoFit/>
-          </a:bodyPr>
-          <a:lstStyle/>
-          <a:p>
-            <a:pPr indent="0" lvl="0" marL="0" rtl="0" algn="l">
-              <a:spcBef>
-                <a:spcPts val="0"/>
-              </a:spcBef>
-              <a:spcAft>
-                <a:spcPts val="0"/>
-              </a:spcAft>
-              <a:buNone/>
-            </a:pPr>
-            <a:r>
-              <a:rPr lang="en">
-                <a:solidFill>
-                  <a:srgbClr val="3C78D8"/>
-                </a:solidFill>
-              </a:rPr>
-              <a:t>Similar to CSS</a:t>
-            </a:r>
-            <a:endParaRPr>
-              <a:solidFill>
-                <a:srgbClr val="3C78D8"/>
-              </a:solidFill>
-            </a:endParaRPr>
-          </a:p>
-        </p:txBody>
-      </p:sp>
-      <p:sp>
-        <p:nvSpPr>
-          <p:cNvPr id="120" name="Google Shape;120;g10adc5e3a03_0_14"/>
-          <p:cNvSpPr txBox="1"/>
-          <p:nvPr/>
-        </p:nvSpPr>
-        <p:spPr>
-          <a:xfrm>
-            <a:off x="3004075" y="1467200"/>
-            <a:ext cx="4292400" cy="400200"/>
-          </a:xfrm>
-          <a:prstGeom prst="rect">
-            <a:avLst/>
-          </a:prstGeom>
-          <a:noFill/>
-          <a:ln>
-            <a:noFill/>
-          </a:ln>
-        </p:spPr>
-        <p:txBody>
-          <a:bodyPr anchorCtr="0" anchor="t" bIns="91425" lIns="91425" spcFirstLastPara="1" rIns="91425" wrap="square" tIns="91425">
-            <a:spAutoFit/>
-          </a:bodyPr>
-          <a:lstStyle/>
-          <a:p>
-            <a:pPr indent="0" lvl="0" marL="0" rtl="0" algn="l">
-              <a:spcBef>
-                <a:spcPts val="0"/>
-              </a:spcBef>
-              <a:spcAft>
-                <a:spcPts val="0"/>
-              </a:spcAft>
-              <a:buNone/>
-            </a:pPr>
-            <a:r>
-              <a:rPr lang="en">
-                <a:solidFill>
-                  <a:srgbClr val="3C78D8"/>
-                </a:solidFill>
-              </a:rPr>
-              <a:t>Selector</a:t>
-            </a:r>
-            <a:r>
-              <a:rPr lang="en">
-                <a:solidFill>
-                  <a:srgbClr val="1155CC"/>
-                </a:solidFill>
-              </a:rPr>
-              <a:t> </a:t>
-            </a:r>
-            <a:r>
-              <a:rPr lang="en">
-                <a:solidFill>
-                  <a:schemeClr val="dk1"/>
-                </a:solidFill>
-              </a:rPr>
-              <a:t>{</a:t>
-            </a:r>
-            <a:endParaRPr>
-              <a:solidFill>
-                <a:schemeClr val="dk1"/>
-              </a:solidFill>
-            </a:endParaRPr>
-          </a:p>
-        </p:txBody>
-      </p:sp>
-      <p:sp>
-        <p:nvSpPr>
-          <p:cNvPr id="121" name="Google Shape;121;g10adc5e3a03_0_14"/>
-          <p:cNvSpPr txBox="1"/>
-          <p:nvPr/>
-        </p:nvSpPr>
-        <p:spPr>
-          <a:xfrm>
-            <a:off x="3004075" y="1727400"/>
-            <a:ext cx="4292400" cy="400200"/>
-          </a:xfrm>
-          <a:prstGeom prst="rect">
-            <a:avLst/>
-          </a:prstGeom>
-          <a:noFill/>
-          <a:ln>
-            <a:noFill/>
-          </a:ln>
-        </p:spPr>
-        <p:txBody>
-          <a:bodyPr anchorCtr="0" anchor="t" bIns="91425" lIns="91425" spcFirstLastPara="1" rIns="91425" wrap="square" tIns="91425">
-            <a:spAutoFit/>
-          </a:bodyPr>
-          <a:lstStyle/>
-          <a:p>
-            <a:pPr indent="0" lvl="0" marL="457200" rtl="0" algn="l">
-              <a:spcBef>
-                <a:spcPts val="0"/>
-              </a:spcBef>
-              <a:spcAft>
-                <a:spcPts val="0"/>
-              </a:spcAft>
-              <a:buNone/>
-            </a:pPr>
-            <a:r>
-              <a:rPr lang="en">
-                <a:solidFill>
-                  <a:srgbClr val="E69138"/>
-                </a:solidFill>
-              </a:rPr>
-              <a:t>property1: value1;</a:t>
-            </a:r>
-            <a:endParaRPr>
-              <a:solidFill>
-                <a:srgbClr val="E69138"/>
-              </a:solidFill>
-            </a:endParaRPr>
-          </a:p>
-        </p:txBody>
-      </p:sp>
-      <p:sp>
-        <p:nvSpPr>
-          <p:cNvPr id="122" name="Google Shape;122;g10adc5e3a03_0_14"/>
-          <p:cNvSpPr txBox="1"/>
-          <p:nvPr/>
-        </p:nvSpPr>
-        <p:spPr>
-          <a:xfrm>
-            <a:off x="3004075" y="2011450"/>
-            <a:ext cx="4292400" cy="400200"/>
-          </a:xfrm>
-          <a:prstGeom prst="rect">
-            <a:avLst/>
-          </a:prstGeom>
-          <a:noFill/>
-          <a:ln>
-            <a:noFill/>
-          </a:ln>
-        </p:spPr>
-        <p:txBody>
-          <a:bodyPr anchorCtr="0" anchor="t" bIns="91425" lIns="91425" spcFirstLastPara="1" rIns="91425" wrap="square" tIns="91425">
-            <a:spAutoFit/>
-          </a:bodyPr>
-          <a:lstStyle/>
-          <a:p>
-            <a:pPr indent="457200" lvl="0" marL="0" rtl="0" algn="l">
-              <a:spcBef>
-                <a:spcPts val="0"/>
-              </a:spcBef>
-              <a:spcAft>
-                <a:spcPts val="0"/>
-              </a:spcAft>
-              <a:buNone/>
-            </a:pPr>
-            <a:r>
-              <a:rPr lang="en">
-                <a:solidFill>
-                  <a:srgbClr val="E69138"/>
-                </a:solidFill>
-              </a:rPr>
-              <a:t>property2: value2;</a:t>
-            </a:r>
-            <a:endParaRPr>
-              <a:solidFill>
-                <a:srgbClr val="E69138"/>
-              </a:solidFill>
-            </a:endParaRPr>
-          </a:p>
-        </p:txBody>
-      </p:sp>
-      <p:sp>
-        <p:nvSpPr>
-          <p:cNvPr id="123" name="Google Shape;123;g10adc5e3a03_0_14"/>
-          <p:cNvSpPr txBox="1"/>
-          <p:nvPr/>
-        </p:nvSpPr>
-        <p:spPr>
-          <a:xfrm>
-            <a:off x="3004075" y="2296600"/>
-            <a:ext cx="4292400" cy="400200"/>
-          </a:xfrm>
-          <a:prstGeom prst="rect">
-            <a:avLst/>
-          </a:prstGeom>
-          <a:noFill/>
-          <a:ln>
-            <a:noFill/>
-          </a:ln>
-        </p:spPr>
-        <p:txBody>
-          <a:bodyPr anchorCtr="0" anchor="t" bIns="91425" lIns="91425" spcFirstLastPara="1" rIns="91425" wrap="square" tIns="91425">
-            <a:spAutoFit/>
-          </a:bodyPr>
-          <a:lstStyle/>
-          <a:p>
-            <a:pPr indent="0" lvl="0" marL="0" rtl="0" algn="l">
-              <a:spcBef>
-                <a:spcPts val="0"/>
-              </a:spcBef>
-              <a:spcAft>
-                <a:spcPts val="0"/>
-              </a:spcAft>
-              <a:buNone/>
-            </a:pPr>
-            <a:r>
-              <a:rPr lang="en">
-                <a:solidFill>
-                  <a:schemeClr val="dk1"/>
-                </a:solidFill>
-              </a:rPr>
-              <a:t>}</a:t>
-            </a:r>
-            <a:endParaRPr>
-              <a:solidFill>
-                <a:schemeClr val="dk1"/>
-              </a:solidFill>
-            </a:endParaRPr>
-          </a:p>
-        </p:txBody>
-      </p:sp>
-      <p:pic>
-        <p:nvPicPr>
-          <p:cNvPr id="124" name="Google Shape;124;g10adc5e3a03_0_14"/>
-          <p:cNvPicPr preferRelativeResize="0"/>
-          <p:nvPr/>
-        </p:nvPicPr>
-        <p:blipFill>
-          <a:blip r:embed="rId3">
-            <a:alphaModFix/>
-          </a:blip>
-          <a:stretch>
-            <a:fillRect/>
-          </a:stretch>
-        </p:blipFill>
-        <p:spPr>
-          <a:xfrm>
-            <a:off x="6301700" y="3092100"/>
-            <a:ext cx="2699275" cy="1950632"/>
-          </a:xfrm>
-          <a:prstGeom prst="rect">
-            <a:avLst/>
-          </a:prstGeom>
-          <a:noFill/>
-          <a:ln>
-            <a:noFill/>
-          </a:ln>
-        </p:spPr>
-      </p:pic>
-      <p:sp>
-        <p:nvSpPr>
-          <p:cNvPr id="125" name="Google Shape;125;g10adc5e3a03_0_14"/>
-          <p:cNvSpPr txBox="1"/>
-          <p:nvPr/>
-        </p:nvSpPr>
-        <p:spPr>
-          <a:xfrm>
-            <a:off x="-42325" y="255775"/>
-            <a:ext cx="9144000" cy="572700"/>
-          </a:xfrm>
-          <a:prstGeom prst="rect">
-            <a:avLst/>
-          </a:prstGeom>
-          <a:noFill/>
-          <a:ln>
-            <a:noFill/>
-          </a:ln>
-        </p:spPr>
-        <p:txBody>
-          <a:bodyPr anchorCtr="0" anchor="t" bIns="91425" lIns="91425" spcFirstLastPara="1" rIns="91425" wrap="square" tIns="91425">
-            <a:noAutofit/>
-          </a:bodyPr>
-          <a:lstStyle/>
-          <a:p>
-            <a:pPr indent="0" lvl="0" marL="0" rtl="0" algn="ctr">
-              <a:spcBef>
-                <a:spcPts val="0"/>
-              </a:spcBef>
-              <a:spcAft>
-                <a:spcPts val="0"/>
-              </a:spcAft>
-              <a:buClr>
-                <a:srgbClr val="000000"/>
-              </a:buClr>
-              <a:buSzPts val="1000"/>
-              <a:buFont typeface="Arial"/>
-              <a:buNone/>
-            </a:pPr>
-            <a:r>
-              <a:rPr b="1" lang="en" sz="1800">
-                <a:solidFill>
-                  <a:srgbClr val="3C78D8"/>
-                </a:solidFill>
-              </a:rPr>
-              <a:t>Properties</a:t>
-            </a:r>
-            <a:endParaRPr b="1" i="0" sz="1800" u="none" cap="none" strike="noStrike">
-              <a:solidFill>
-                <a:srgbClr val="3C78D8"/>
-              </a:solidFill>
-              <a:latin typeface="Arial"/>
-              <a:ea typeface="Arial"/>
-              <a:cs typeface="Arial"/>
-              <a:sym typeface="Arial"/>
-            </a:endParaRPr>
-          </a:p>
-        </p:txBody>
-      </p:sp>
-    </p:spTree>
-  </p:cSld>
-  <p:clrMapOvr>
-    <a:masterClrMapping/>
-  </p:clrMapOvr>
-  <p:timing>
-    <p:tnLst>
-      <p:par>
-        <p:cTn dur="indefinite" nodeType="tmRoot" restart="never">
-          <p:childTnLst>
-            <p:seq concurrent="1" nextAc="seek">
-              <p:cTn dur="indefinite" id="2" nodeType="mainSeq">
-                <p:childTnLst>
                   <p:par>
                     <p:cTn fill="hold">
                       <p:stCondLst>
@@ -14067,7 +13008,7 @@
                                           </p:stCondLst>
                                         </p:cTn>
                                         <p:tgtEl>
-                                          <p:spTgt spid="107"/>
+                                          <p:spTgt spid="95"/>
                                         </p:tgtEl>
                                         <p:attrNameLst>
                                           <p:attrName>style.visibility</p:attrName>
@@ -14081,7 +13022,7 @@
                                       <p:cBhvr>
                                         <p:cTn dur="1000"/>
                                         <p:tgtEl>
-                                          <p:spTgt spid="107"/>
+                                          <p:spTgt spid="95"/>
                                         </p:tgtEl>
                                       </p:cBhvr>
                                     </p:animEffect>
@@ -14120,7 +13061,7 @@
                                           </p:stCondLst>
                                         </p:cTn>
                                         <p:tgtEl>
-                                          <p:spTgt spid="108"/>
+                                          <p:spTgt spid="96"/>
                                         </p:tgtEl>
                                         <p:attrNameLst>
                                           <p:attrName>style.visibility</p:attrName>
@@ -14134,7 +13075,7 @@
                                       <p:cBhvr>
                                         <p:cTn dur="1000"/>
                                         <p:tgtEl>
-                                          <p:spTgt spid="108"/>
+                                          <p:spTgt spid="96"/>
                                         </p:tgtEl>
                                       </p:cBhvr>
                                     </p:animEffect>
@@ -14173,7 +13114,7 @@
                                           </p:stCondLst>
                                         </p:cTn>
                                         <p:tgtEl>
-                                          <p:spTgt spid="109"/>
+                                          <p:spTgt spid="97"/>
                                         </p:tgtEl>
                                         <p:attrNameLst>
                                           <p:attrName>style.visibility</p:attrName>
@@ -14187,7 +13128,7 @@
                                       <p:cBhvr>
                                         <p:cTn dur="1000"/>
                                         <p:tgtEl>
-                                          <p:spTgt spid="109"/>
+                                          <p:spTgt spid="97"/>
                                         </p:tgtEl>
                                       </p:cBhvr>
                                     </p:animEffect>
@@ -14226,7 +13167,7 @@
                                           </p:stCondLst>
                                         </p:cTn>
                                         <p:tgtEl>
-                                          <p:spTgt spid="110"/>
+                                          <p:spTgt spid="98"/>
                                         </p:tgtEl>
                                         <p:attrNameLst>
                                           <p:attrName>style.visibility</p:attrName>
@@ -14240,7 +13181,7 @@
                                       <p:cBhvr>
                                         <p:cTn dur="1000"/>
                                         <p:tgtEl>
-                                          <p:spTgt spid="110"/>
+                                          <p:spTgt spid="98"/>
                                         </p:tgtEl>
                                       </p:cBhvr>
                                     </p:animEffect>
@@ -14253,59 +13194,1231 @@
                       </p:childTnLst>
                     </p:cTn>
                   </p:par>
-                  <p:par>
-                    <p:cTn fill="hold">
-                      <p:stCondLst>
-                        <p:cond delay="indefinite"/>
-                      </p:stCondLst>
-                      <p:childTnLst>
-                        <p:par>
-                          <p:cTn fill="hold">
-                            <p:stCondLst>
-                              <p:cond delay="0"/>
-                            </p:stCondLst>
-                            <p:childTnLst>
-                              <p:par>
-                                <p:cTn fill="hold" nodeType="clickEffect" presetClass="entr" presetID="10" presetSubtype="0">
-                                  <p:stCondLst>
-                                    <p:cond delay="0"/>
-                                  </p:stCondLst>
-                                  <p:childTnLst>
-                                    <p:set>
-                                      <p:cBhvr>
-                                        <p:cTn dur="1" fill="hold">
-                                          <p:stCondLst>
-                                            <p:cond delay="0"/>
-                                          </p:stCondLst>
-                                        </p:cTn>
-                                        <p:tgtEl>
-                                          <p:spTgt spid="111"/>
-                                        </p:tgtEl>
-                                        <p:attrNameLst>
-                                          <p:attrName>style.visibility</p:attrName>
-                                        </p:attrNameLst>
-                                      </p:cBhvr>
-                                      <p:to>
-                                        <p:strVal val="visible"/>
-                                      </p:to>
-                                    </p:set>
-                                    <p:animEffect filter="fade" transition="in">
-                                      <p:cBhvr>
-                                        <p:cTn dur="1000"/>
-                                        <p:tgtEl>
-                                          <p:spTgt spid="111"/>
-                                        </p:tgtEl>
-                                      </p:cBhvr>
-                                    </p:animEffect>
-                                  </p:childTnLst>
-                                </p:cTn>
-                              </p:par>
-                            </p:childTnLst>
-                          </p:cTn>
-                        </p:par>
-                      </p:childTnLst>
-                    </p:cTn>
-                  </p:par>
+                </p:childTnLst>
+              </p:cTn>
+              <p:prevCondLst>
+                <p:cond evt="onPrev">
+                  <p:tgtEl>
+                    <p:sldTgt/>
+                  </p:tgtEl>
+                </p:cond>
+              </p:prevCondLst>
+              <p:nextCondLst>
+                <p:cond evt="onNext">
+                  <p:tgtEl>
+                    <p:sldTgt/>
+                  </p:tgtEl>
+                </p:cond>
+              </p:nextCondLst>
+            </p:seq>
+          </p:childTnLst>
+        </p:cTn>
+      </p:par>
+    </p:tnLst>
+  </p:timing>
+</p:sld>
+</file>
+
+<file path=ppt/slides/slide6.xml><?xml version="1.0" encoding="utf-8"?>
+<p:sld xmlns:a="http://schemas.openxmlformats.org/drawingml/2006/main" xmlns:r="http://schemas.openxmlformats.org/officeDocument/2006/relationships" xmlns:mc="http://schemas.openxmlformats.org/markup-compatibility/2006" xmlns:mv="urn:schemas-microsoft-com:mac:vml" xmlns:p="http://schemas.openxmlformats.org/presentationml/2006/main" xmlns:c="http://schemas.openxmlformats.org/drawingml/2006/chart" xmlns:dgm="http://schemas.openxmlformats.org/drawingml/2006/diagram" xmlns:o="urn:schemas-microsoft-com:office:office" xmlns:v="urn:schemas-microsoft-com:vml" xmlns:pvml="urn:schemas-microsoft-com:office:powerpoint" xmlns:com="http://schemas.openxmlformats.org/drawingml/2006/compatibility" xmlns:p14="http://schemas.microsoft.com/office/powerpoint/2010/main" xmlns:p15="http://schemas.microsoft.com/office/powerpoint/2012/main" xmlns:ahyp="http://schemas.microsoft.com/office/drawing/2018/hyperlinkcolor">
+  <p:cSld>
+    <p:spTree>
+      <p:nvGrpSpPr>
+        <p:cNvPr id="110" name="Shape 110"/>
+        <p:cNvGrpSpPr/>
+        <p:nvPr/>
+      </p:nvGrpSpPr>
+      <p:grpSpPr>
+        <a:xfrm>
+          <a:off x="0" y="0"/>
+          <a:ext cx="0" cy="0"/>
+          <a:chOff x="0" y="0"/>
+          <a:chExt cx="0" cy="0"/>
+        </a:xfrm>
+      </p:grpSpPr>
+      <p:sp>
+        <p:nvSpPr>
+          <p:cNvPr id="111" name="Google Shape;111;g10adc5e3a03_0_14"/>
+          <p:cNvSpPr txBox="1"/>
+          <p:nvPr/>
+        </p:nvSpPr>
+        <p:spPr>
+          <a:xfrm>
+            <a:off x="122250" y="2861350"/>
+            <a:ext cx="4292400" cy="400200"/>
+          </a:xfrm>
+          <a:prstGeom prst="rect">
+            <a:avLst/>
+          </a:prstGeom>
+          <a:noFill/>
+          <a:ln>
+            <a:noFill/>
+          </a:ln>
+        </p:spPr>
+        <p:txBody>
+          <a:bodyPr anchorCtr="0" anchor="t" bIns="91425" lIns="91425" spcFirstLastPara="1" rIns="91425" wrap="square" tIns="91425">
+            <a:spAutoFit/>
+          </a:bodyPr>
+          <a:lstStyle/>
+          <a:p>
+            <a:pPr indent="0" lvl="0" marL="0" rtl="0" algn="l">
+              <a:spcBef>
+                <a:spcPts val="0"/>
+              </a:spcBef>
+              <a:spcAft>
+                <a:spcPts val="0"/>
+              </a:spcAft>
+              <a:buNone/>
+            </a:pPr>
+            <a:r>
+              <a:rPr lang="en">
+                <a:solidFill>
+                  <a:srgbClr val="E69138"/>
+                </a:solidFill>
+              </a:rPr>
+              <a:t>Properties</a:t>
+            </a:r>
+            <a:endParaRPr>
+              <a:solidFill>
+                <a:srgbClr val="E69138"/>
+              </a:solidFill>
+            </a:endParaRPr>
+          </a:p>
+        </p:txBody>
+      </p:sp>
+      <p:sp>
+        <p:nvSpPr>
+          <p:cNvPr id="112" name="Google Shape;112;g10adc5e3a03_0_14"/>
+          <p:cNvSpPr txBox="1"/>
+          <p:nvPr/>
+        </p:nvSpPr>
+        <p:spPr>
+          <a:xfrm>
+            <a:off x="122250" y="3145400"/>
+            <a:ext cx="4292400" cy="369300"/>
+          </a:xfrm>
+          <a:prstGeom prst="rect">
+            <a:avLst/>
+          </a:prstGeom>
+          <a:noFill/>
+          <a:ln>
+            <a:noFill/>
+          </a:ln>
+        </p:spPr>
+        <p:txBody>
+          <a:bodyPr anchorCtr="0" anchor="t" bIns="91425" lIns="91425" spcFirstLastPara="1" rIns="91425" wrap="square" tIns="91425">
+            <a:spAutoFit/>
+          </a:bodyPr>
+          <a:lstStyle/>
+          <a:p>
+            <a:pPr indent="0" lvl="0" marL="0" rtl="0" algn="l">
+              <a:spcBef>
+                <a:spcPts val="0"/>
+              </a:spcBef>
+              <a:spcAft>
+                <a:spcPts val="0"/>
+              </a:spcAft>
+              <a:buNone/>
+            </a:pPr>
+            <a:r>
+              <a:rPr lang="en" sz="1200">
+                <a:solidFill>
+                  <a:srgbClr val="3C78D8"/>
+                </a:solidFill>
+              </a:rPr>
+              <a:t>color</a:t>
+            </a:r>
+            <a:r>
+              <a:rPr lang="en" sz="1200">
+                <a:solidFill>
+                  <a:schemeClr val="dk1"/>
+                </a:solidFill>
+              </a:rPr>
+              <a:t> - text color:red</a:t>
+            </a:r>
+            <a:endParaRPr sz="1200">
+              <a:solidFill>
+                <a:schemeClr val="dk1"/>
+              </a:solidFill>
+            </a:endParaRPr>
+          </a:p>
+        </p:txBody>
+      </p:sp>
+      <p:sp>
+        <p:nvSpPr>
+          <p:cNvPr id="113" name="Google Shape;113;g10adc5e3a03_0_14"/>
+          <p:cNvSpPr txBox="1"/>
+          <p:nvPr/>
+        </p:nvSpPr>
+        <p:spPr>
+          <a:xfrm>
+            <a:off x="122250" y="3430550"/>
+            <a:ext cx="5825100" cy="369300"/>
+          </a:xfrm>
+          <a:prstGeom prst="rect">
+            <a:avLst/>
+          </a:prstGeom>
+          <a:noFill/>
+          <a:ln>
+            <a:noFill/>
+          </a:ln>
+        </p:spPr>
+        <p:txBody>
+          <a:bodyPr anchorCtr="0" anchor="t" bIns="91425" lIns="91425" spcFirstLastPara="1" rIns="91425" wrap="square" tIns="91425">
+            <a:spAutoFit/>
+          </a:bodyPr>
+          <a:lstStyle/>
+          <a:p>
+            <a:pPr indent="0" lvl="0" marL="0" rtl="0" algn="l">
+              <a:spcBef>
+                <a:spcPts val="0"/>
+              </a:spcBef>
+              <a:spcAft>
+                <a:spcPts val="0"/>
+              </a:spcAft>
+              <a:buNone/>
+            </a:pPr>
+            <a:r>
+              <a:rPr lang="en" sz="1200">
+                <a:solidFill>
+                  <a:srgbClr val="3C78D8"/>
+                </a:solidFill>
+              </a:rPr>
+              <a:t>background-color</a:t>
+            </a:r>
+            <a:r>
+              <a:rPr lang="en" sz="1200">
+                <a:solidFill>
+                  <a:schemeClr val="dk1"/>
+                </a:solidFill>
+              </a:rPr>
+              <a:t>:</a:t>
+            </a:r>
+            <a:r>
+              <a:rPr lang="en" sz="1200">
+                <a:solidFill>
+                  <a:srgbClr val="3C78D8"/>
+                </a:solidFill>
+              </a:rPr>
+              <a:t> </a:t>
+            </a:r>
+            <a:r>
+              <a:rPr lang="en" sz="1200">
+                <a:solidFill>
+                  <a:schemeClr val="dk1"/>
+                </a:solidFill>
+              </a:rPr>
+              <a:t>#FF0000</a:t>
+            </a:r>
+            <a:endParaRPr sz="1200">
+              <a:solidFill>
+                <a:schemeClr val="dk1"/>
+              </a:solidFill>
+            </a:endParaRPr>
+          </a:p>
+        </p:txBody>
+      </p:sp>
+      <p:sp>
+        <p:nvSpPr>
+          <p:cNvPr id="114" name="Google Shape;114;g10adc5e3a03_0_14"/>
+          <p:cNvSpPr txBox="1"/>
+          <p:nvPr/>
+        </p:nvSpPr>
+        <p:spPr>
+          <a:xfrm>
+            <a:off x="122250" y="3690750"/>
+            <a:ext cx="4292400" cy="369300"/>
+          </a:xfrm>
+          <a:prstGeom prst="rect">
+            <a:avLst/>
+          </a:prstGeom>
+          <a:noFill/>
+          <a:ln>
+            <a:noFill/>
+          </a:ln>
+        </p:spPr>
+        <p:txBody>
+          <a:bodyPr anchorCtr="0" anchor="t" bIns="91425" lIns="91425" spcFirstLastPara="1" rIns="91425" wrap="square" tIns="91425">
+            <a:spAutoFit/>
+          </a:bodyPr>
+          <a:lstStyle/>
+          <a:p>
+            <a:pPr indent="0" lvl="0" marL="0" rtl="0" algn="l">
+              <a:spcBef>
+                <a:spcPts val="0"/>
+              </a:spcBef>
+              <a:spcAft>
+                <a:spcPts val="0"/>
+              </a:spcAft>
+              <a:buNone/>
+            </a:pPr>
+            <a:r>
+              <a:rPr lang="en" sz="1200">
+                <a:solidFill>
+                  <a:srgbClr val="3C78D8"/>
+                </a:solidFill>
+              </a:rPr>
+              <a:t>background-image</a:t>
+            </a:r>
+            <a:r>
+              <a:rPr lang="en" sz="1200">
+                <a:solidFill>
+                  <a:schemeClr val="dk1"/>
+                </a:solidFill>
+              </a:rPr>
+              <a:t>: url(path.jpg)</a:t>
+            </a:r>
+            <a:endParaRPr sz="1200">
+              <a:solidFill>
+                <a:schemeClr val="dk1"/>
+              </a:solidFill>
+            </a:endParaRPr>
+          </a:p>
+        </p:txBody>
+      </p:sp>
+      <p:sp>
+        <p:nvSpPr>
+          <p:cNvPr id="115" name="Google Shape;115;g10adc5e3a03_0_14"/>
+          <p:cNvSpPr txBox="1"/>
+          <p:nvPr/>
+        </p:nvSpPr>
+        <p:spPr>
+          <a:xfrm>
+            <a:off x="122250" y="3974800"/>
+            <a:ext cx="6516300" cy="369300"/>
+          </a:xfrm>
+          <a:prstGeom prst="rect">
+            <a:avLst/>
+          </a:prstGeom>
+          <a:noFill/>
+          <a:ln>
+            <a:noFill/>
+          </a:ln>
+        </p:spPr>
+        <p:txBody>
+          <a:bodyPr anchorCtr="0" anchor="t" bIns="91425" lIns="91425" spcFirstLastPara="1" rIns="91425" wrap="square" tIns="91425">
+            <a:spAutoFit/>
+          </a:bodyPr>
+          <a:lstStyle/>
+          <a:p>
+            <a:pPr indent="0" lvl="0" marL="0" rtl="0" algn="l">
+              <a:spcBef>
+                <a:spcPts val="0"/>
+              </a:spcBef>
+              <a:spcAft>
+                <a:spcPts val="0"/>
+              </a:spcAft>
+              <a:buNone/>
+            </a:pPr>
+            <a:r>
+              <a:rPr lang="en" sz="1200">
+                <a:solidFill>
+                  <a:srgbClr val="3C78D8"/>
+                </a:solidFill>
+              </a:rPr>
+              <a:t>border</a:t>
+            </a:r>
+            <a:r>
+              <a:rPr lang="en" sz="1200">
+                <a:solidFill>
+                  <a:schemeClr val="dk1"/>
+                </a:solidFill>
+              </a:rPr>
+              <a:t>: width style color</a:t>
+            </a:r>
+            <a:endParaRPr sz="1200">
+              <a:solidFill>
+                <a:schemeClr val="dk1"/>
+              </a:solidFill>
+            </a:endParaRPr>
+          </a:p>
+        </p:txBody>
+      </p:sp>
+      <p:sp>
+        <p:nvSpPr>
+          <p:cNvPr id="116" name="Google Shape;116;g10adc5e3a03_0_14"/>
+          <p:cNvSpPr txBox="1"/>
+          <p:nvPr/>
+        </p:nvSpPr>
+        <p:spPr>
+          <a:xfrm>
+            <a:off x="122250" y="4259950"/>
+            <a:ext cx="6986400" cy="354000"/>
+          </a:xfrm>
+          <a:prstGeom prst="rect">
+            <a:avLst/>
+          </a:prstGeom>
+          <a:noFill/>
+          <a:ln>
+            <a:noFill/>
+          </a:ln>
+        </p:spPr>
+        <p:txBody>
+          <a:bodyPr anchorCtr="0" anchor="t" bIns="91425" lIns="91425" spcFirstLastPara="1" rIns="91425" wrap="square" tIns="91425">
+            <a:spAutoFit/>
+          </a:bodyPr>
+          <a:lstStyle/>
+          <a:p>
+            <a:pPr indent="457200" lvl="0" marL="0" rtl="0" algn="l">
+              <a:spcBef>
+                <a:spcPts val="0"/>
+              </a:spcBef>
+              <a:spcAft>
+                <a:spcPts val="0"/>
+              </a:spcAft>
+              <a:buNone/>
+            </a:pPr>
+            <a:r>
+              <a:rPr lang="en" sz="1100">
+                <a:solidFill>
+                  <a:srgbClr val="3C78D8"/>
+                </a:solidFill>
+              </a:rPr>
+              <a:t>border</a:t>
+            </a:r>
+            <a:r>
+              <a:rPr lang="en" sz="1100">
+                <a:solidFill>
+                  <a:schemeClr val="dk1"/>
+                </a:solidFill>
+              </a:rPr>
+              <a:t>: 2px dashed rgb(255, 0, 0)</a:t>
+            </a:r>
+            <a:endParaRPr sz="1100">
+              <a:solidFill>
+                <a:schemeClr val="dk1"/>
+              </a:solidFill>
+            </a:endParaRPr>
+          </a:p>
+        </p:txBody>
+      </p:sp>
+      <p:sp>
+        <p:nvSpPr>
+          <p:cNvPr id="117" name="Google Shape;117;g10adc5e3a03_0_14"/>
+          <p:cNvSpPr txBox="1"/>
+          <p:nvPr/>
+        </p:nvSpPr>
+        <p:spPr>
+          <a:xfrm>
+            <a:off x="122250" y="4519050"/>
+            <a:ext cx="6986400" cy="369300"/>
+          </a:xfrm>
+          <a:prstGeom prst="rect">
+            <a:avLst/>
+          </a:prstGeom>
+          <a:noFill/>
+          <a:ln>
+            <a:noFill/>
+          </a:ln>
+        </p:spPr>
+        <p:txBody>
+          <a:bodyPr anchorCtr="0" anchor="t" bIns="91425" lIns="91425" spcFirstLastPara="1" rIns="91425" wrap="square" tIns="91425">
+            <a:spAutoFit/>
+          </a:bodyPr>
+          <a:lstStyle/>
+          <a:p>
+            <a:pPr indent="0" lvl="0" marL="0" rtl="0" algn="l">
+              <a:spcBef>
+                <a:spcPts val="0"/>
+              </a:spcBef>
+              <a:spcAft>
+                <a:spcPts val="0"/>
+              </a:spcAft>
+              <a:buNone/>
+            </a:pPr>
+            <a:r>
+              <a:rPr lang="en" sz="1200">
+                <a:solidFill>
+                  <a:srgbClr val="3C78D8"/>
+                </a:solidFill>
+              </a:rPr>
+              <a:t>border-radius</a:t>
+            </a:r>
+            <a:r>
+              <a:rPr lang="en" sz="1200">
+                <a:solidFill>
+                  <a:schemeClr val="dk1"/>
+                </a:solidFill>
+              </a:rPr>
+              <a:t>: 5px</a:t>
+            </a:r>
+            <a:endParaRPr sz="1200">
+              <a:solidFill>
+                <a:schemeClr val="dk1"/>
+              </a:solidFill>
+            </a:endParaRPr>
+          </a:p>
+        </p:txBody>
+      </p:sp>
+      <p:sp>
+        <p:nvSpPr>
+          <p:cNvPr id="118" name="Google Shape;118;g10adc5e3a03_0_14"/>
+          <p:cNvSpPr txBox="1"/>
+          <p:nvPr/>
+        </p:nvSpPr>
+        <p:spPr>
+          <a:xfrm>
+            <a:off x="122250" y="4774200"/>
+            <a:ext cx="6986400" cy="369300"/>
+          </a:xfrm>
+          <a:prstGeom prst="rect">
+            <a:avLst/>
+          </a:prstGeom>
+          <a:noFill/>
+          <a:ln>
+            <a:noFill/>
+          </a:ln>
+        </p:spPr>
+        <p:txBody>
+          <a:bodyPr anchorCtr="0" anchor="t" bIns="91425" lIns="91425" spcFirstLastPara="1" rIns="91425" wrap="square" tIns="91425">
+            <a:spAutoFit/>
+          </a:bodyPr>
+          <a:lstStyle/>
+          <a:p>
+            <a:pPr indent="0" lvl="0" marL="0" rtl="0" algn="l">
+              <a:spcBef>
+                <a:spcPts val="0"/>
+              </a:spcBef>
+              <a:spcAft>
+                <a:spcPts val="0"/>
+              </a:spcAft>
+              <a:buNone/>
+            </a:pPr>
+            <a:r>
+              <a:rPr lang="en" sz="1200">
+                <a:solidFill>
+                  <a:srgbClr val="3C78D8"/>
+                </a:solidFill>
+              </a:rPr>
+              <a:t>font</a:t>
+            </a:r>
+            <a:r>
+              <a:rPr lang="en" sz="1200">
+                <a:solidFill>
+                  <a:schemeClr val="dk1"/>
+                </a:solidFill>
+              </a:rPr>
+              <a:t>: bold italic large “Times New Roman”</a:t>
+            </a:r>
+            <a:endParaRPr sz="1200">
+              <a:solidFill>
+                <a:schemeClr val="dk1"/>
+              </a:solidFill>
+            </a:endParaRPr>
+          </a:p>
+        </p:txBody>
+      </p:sp>
+      <p:sp>
+        <p:nvSpPr>
+          <p:cNvPr id="119" name="Google Shape;119;g10adc5e3a03_0_14"/>
+          <p:cNvSpPr txBox="1"/>
+          <p:nvPr/>
+        </p:nvSpPr>
+        <p:spPr>
+          <a:xfrm>
+            <a:off x="4223950" y="3145400"/>
+            <a:ext cx="4292400" cy="369300"/>
+          </a:xfrm>
+          <a:prstGeom prst="rect">
+            <a:avLst/>
+          </a:prstGeom>
+          <a:noFill/>
+          <a:ln>
+            <a:noFill/>
+          </a:ln>
+        </p:spPr>
+        <p:txBody>
+          <a:bodyPr anchorCtr="0" anchor="t" bIns="91425" lIns="91425" spcFirstLastPara="1" rIns="91425" wrap="square" tIns="91425">
+            <a:spAutoFit/>
+          </a:bodyPr>
+          <a:lstStyle/>
+          <a:p>
+            <a:pPr indent="0" lvl="0" marL="0" rtl="0" algn="l">
+              <a:spcBef>
+                <a:spcPts val="0"/>
+              </a:spcBef>
+              <a:spcAft>
+                <a:spcPts val="0"/>
+              </a:spcAft>
+              <a:buNone/>
+            </a:pPr>
+            <a:r>
+              <a:rPr lang="en" sz="1200">
+                <a:solidFill>
+                  <a:srgbClr val="3C78D8"/>
+                </a:solidFill>
+              </a:rPr>
+              <a:t>height</a:t>
+            </a:r>
+            <a:r>
+              <a:rPr lang="en" sz="1200">
+                <a:solidFill>
+                  <a:schemeClr val="dk1"/>
+                </a:solidFill>
+              </a:rPr>
+              <a:t>:</a:t>
+            </a:r>
+            <a:r>
+              <a:rPr lang="en" sz="1200">
+                <a:solidFill>
+                  <a:schemeClr val="dk1"/>
+                </a:solidFill>
+              </a:rPr>
+              <a:t> 10px</a:t>
+            </a:r>
+            <a:endParaRPr sz="1200">
+              <a:solidFill>
+                <a:schemeClr val="dk1"/>
+              </a:solidFill>
+            </a:endParaRPr>
+          </a:p>
+        </p:txBody>
+      </p:sp>
+      <p:sp>
+        <p:nvSpPr>
+          <p:cNvPr id="120" name="Google Shape;120;g10adc5e3a03_0_14"/>
+          <p:cNvSpPr txBox="1"/>
+          <p:nvPr/>
+        </p:nvSpPr>
+        <p:spPr>
+          <a:xfrm>
+            <a:off x="4223950" y="3401225"/>
+            <a:ext cx="4292400" cy="369300"/>
+          </a:xfrm>
+          <a:prstGeom prst="rect">
+            <a:avLst/>
+          </a:prstGeom>
+          <a:noFill/>
+          <a:ln>
+            <a:noFill/>
+          </a:ln>
+        </p:spPr>
+        <p:txBody>
+          <a:bodyPr anchorCtr="0" anchor="t" bIns="91425" lIns="91425" spcFirstLastPara="1" rIns="91425" wrap="square" tIns="91425">
+            <a:spAutoFit/>
+          </a:bodyPr>
+          <a:lstStyle/>
+          <a:p>
+            <a:pPr indent="0" lvl="0" marL="0" rtl="0" algn="l">
+              <a:spcBef>
+                <a:spcPts val="0"/>
+              </a:spcBef>
+              <a:spcAft>
+                <a:spcPts val="0"/>
+              </a:spcAft>
+              <a:buNone/>
+            </a:pPr>
+            <a:r>
+              <a:rPr lang="en" sz="1200">
+                <a:solidFill>
+                  <a:srgbClr val="3C78D8"/>
+                </a:solidFill>
+              </a:rPr>
+              <a:t>width</a:t>
+            </a:r>
+            <a:r>
+              <a:rPr lang="en" sz="1200">
+                <a:solidFill>
+                  <a:schemeClr val="dk1"/>
+                </a:solidFill>
+              </a:rPr>
+              <a:t>: 50px</a:t>
+            </a:r>
+            <a:endParaRPr sz="1200">
+              <a:solidFill>
+                <a:schemeClr val="dk1"/>
+              </a:solidFill>
+            </a:endParaRPr>
+          </a:p>
+        </p:txBody>
+      </p:sp>
+      <p:sp>
+        <p:nvSpPr>
+          <p:cNvPr id="121" name="Google Shape;121;g10adc5e3a03_0_14"/>
+          <p:cNvSpPr txBox="1"/>
+          <p:nvPr/>
+        </p:nvSpPr>
+        <p:spPr>
+          <a:xfrm>
+            <a:off x="4223950" y="3702675"/>
+            <a:ext cx="4292400" cy="369300"/>
+          </a:xfrm>
+          <a:prstGeom prst="rect">
+            <a:avLst/>
+          </a:prstGeom>
+          <a:noFill/>
+          <a:ln>
+            <a:noFill/>
+          </a:ln>
+        </p:spPr>
+        <p:txBody>
+          <a:bodyPr anchorCtr="0" anchor="t" bIns="91425" lIns="91425" spcFirstLastPara="1" rIns="91425" wrap="square" tIns="91425">
+            <a:spAutoFit/>
+          </a:bodyPr>
+          <a:lstStyle/>
+          <a:p>
+            <a:pPr indent="0" lvl="0" marL="0" rtl="0" algn="l">
+              <a:spcBef>
+                <a:spcPts val="0"/>
+              </a:spcBef>
+              <a:spcAft>
+                <a:spcPts val="0"/>
+              </a:spcAft>
+              <a:buNone/>
+            </a:pPr>
+            <a:r>
+              <a:rPr lang="en" sz="1200">
+                <a:solidFill>
+                  <a:srgbClr val="3C78D8"/>
+                </a:solidFill>
+              </a:rPr>
+              <a:t>margin, padding</a:t>
+            </a:r>
+            <a:endParaRPr sz="1200">
+              <a:solidFill>
+                <a:schemeClr val="dk1"/>
+              </a:solidFill>
+            </a:endParaRPr>
+          </a:p>
+        </p:txBody>
+      </p:sp>
+      <p:sp>
+        <p:nvSpPr>
+          <p:cNvPr id="122" name="Google Shape;122;g10adc5e3a03_0_14"/>
+          <p:cNvSpPr txBox="1"/>
+          <p:nvPr/>
+        </p:nvSpPr>
+        <p:spPr>
+          <a:xfrm>
+            <a:off x="4223950" y="3974800"/>
+            <a:ext cx="4292400" cy="369300"/>
+          </a:xfrm>
+          <a:prstGeom prst="rect">
+            <a:avLst/>
+          </a:prstGeom>
+          <a:noFill/>
+          <a:ln>
+            <a:noFill/>
+          </a:ln>
+        </p:spPr>
+        <p:txBody>
+          <a:bodyPr anchorCtr="0" anchor="t" bIns="91425" lIns="91425" spcFirstLastPara="1" rIns="91425" wrap="square" tIns="91425">
+            <a:spAutoFit/>
+          </a:bodyPr>
+          <a:lstStyle/>
+          <a:p>
+            <a:pPr indent="0" lvl="0" marL="0" rtl="0" algn="l">
+              <a:spcBef>
+                <a:spcPts val="0"/>
+              </a:spcBef>
+              <a:spcAft>
+                <a:spcPts val="0"/>
+              </a:spcAft>
+              <a:buNone/>
+            </a:pPr>
+            <a:r>
+              <a:rPr lang="en" sz="1200">
+                <a:solidFill>
+                  <a:srgbClr val="3C78D8"/>
+                </a:solidFill>
+              </a:rPr>
+              <a:t>text-align</a:t>
+            </a:r>
+            <a:r>
+              <a:rPr lang="en" sz="1200">
+                <a:solidFill>
+                  <a:schemeClr val="dk1"/>
+                </a:solidFill>
+              </a:rPr>
+              <a:t>: left</a:t>
+            </a:r>
+            <a:endParaRPr sz="1200">
+              <a:solidFill>
+                <a:schemeClr val="dk1"/>
+              </a:solidFill>
+            </a:endParaRPr>
+          </a:p>
+        </p:txBody>
+      </p:sp>
+      <p:sp>
+        <p:nvSpPr>
+          <p:cNvPr id="123" name="Google Shape;123;g10adc5e3a03_0_14"/>
+          <p:cNvSpPr txBox="1"/>
+          <p:nvPr/>
+        </p:nvSpPr>
+        <p:spPr>
+          <a:xfrm>
+            <a:off x="3004075" y="898000"/>
+            <a:ext cx="4292400" cy="400200"/>
+          </a:xfrm>
+          <a:prstGeom prst="rect">
+            <a:avLst/>
+          </a:prstGeom>
+          <a:noFill/>
+          <a:ln>
+            <a:noFill/>
+          </a:ln>
+        </p:spPr>
+        <p:txBody>
+          <a:bodyPr anchorCtr="0" anchor="t" bIns="91425" lIns="91425" spcFirstLastPara="1" rIns="91425" wrap="square" tIns="91425">
+            <a:spAutoFit/>
+          </a:bodyPr>
+          <a:lstStyle/>
+          <a:p>
+            <a:pPr indent="0" lvl="0" marL="0" rtl="0" algn="l">
+              <a:spcBef>
+                <a:spcPts val="0"/>
+              </a:spcBef>
+              <a:spcAft>
+                <a:spcPts val="0"/>
+              </a:spcAft>
+              <a:buNone/>
+            </a:pPr>
+            <a:r>
+              <a:rPr lang="en">
+                <a:solidFill>
+                  <a:srgbClr val="3C78D8"/>
+                </a:solidFill>
+              </a:rPr>
+              <a:t>setStyleSheet(str) - QApplication, QWidget</a:t>
+            </a:r>
+            <a:endParaRPr>
+              <a:solidFill>
+                <a:srgbClr val="3C78D8"/>
+              </a:solidFill>
+            </a:endParaRPr>
+          </a:p>
+        </p:txBody>
+      </p:sp>
+      <p:sp>
+        <p:nvSpPr>
+          <p:cNvPr id="124" name="Google Shape;124;g10adc5e3a03_0_14"/>
+          <p:cNvSpPr txBox="1"/>
+          <p:nvPr/>
+        </p:nvSpPr>
+        <p:spPr>
+          <a:xfrm>
+            <a:off x="3004075" y="1182050"/>
+            <a:ext cx="4292400" cy="400200"/>
+          </a:xfrm>
+          <a:prstGeom prst="rect">
+            <a:avLst/>
+          </a:prstGeom>
+          <a:noFill/>
+          <a:ln>
+            <a:noFill/>
+          </a:ln>
+        </p:spPr>
+        <p:txBody>
+          <a:bodyPr anchorCtr="0" anchor="t" bIns="91425" lIns="91425" spcFirstLastPara="1" rIns="91425" wrap="square" tIns="91425">
+            <a:spAutoFit/>
+          </a:bodyPr>
+          <a:lstStyle/>
+          <a:p>
+            <a:pPr indent="0" lvl="0" marL="0" rtl="0" algn="l">
+              <a:spcBef>
+                <a:spcPts val="0"/>
+              </a:spcBef>
+              <a:spcAft>
+                <a:spcPts val="0"/>
+              </a:spcAft>
+              <a:buNone/>
+            </a:pPr>
+            <a:r>
+              <a:rPr lang="en">
+                <a:solidFill>
+                  <a:srgbClr val="3C78D8"/>
+                </a:solidFill>
+              </a:rPr>
+              <a:t>Similar to CSS</a:t>
+            </a:r>
+            <a:endParaRPr>
+              <a:solidFill>
+                <a:srgbClr val="3C78D8"/>
+              </a:solidFill>
+            </a:endParaRPr>
+          </a:p>
+        </p:txBody>
+      </p:sp>
+      <p:sp>
+        <p:nvSpPr>
+          <p:cNvPr id="125" name="Google Shape;125;g10adc5e3a03_0_14"/>
+          <p:cNvSpPr txBox="1"/>
+          <p:nvPr/>
+        </p:nvSpPr>
+        <p:spPr>
+          <a:xfrm>
+            <a:off x="3004075" y="1467200"/>
+            <a:ext cx="4292400" cy="400200"/>
+          </a:xfrm>
+          <a:prstGeom prst="rect">
+            <a:avLst/>
+          </a:prstGeom>
+          <a:noFill/>
+          <a:ln>
+            <a:noFill/>
+          </a:ln>
+        </p:spPr>
+        <p:txBody>
+          <a:bodyPr anchorCtr="0" anchor="t" bIns="91425" lIns="91425" spcFirstLastPara="1" rIns="91425" wrap="square" tIns="91425">
+            <a:spAutoFit/>
+          </a:bodyPr>
+          <a:lstStyle/>
+          <a:p>
+            <a:pPr indent="0" lvl="0" marL="0" rtl="0" algn="l">
+              <a:spcBef>
+                <a:spcPts val="0"/>
+              </a:spcBef>
+              <a:spcAft>
+                <a:spcPts val="0"/>
+              </a:spcAft>
+              <a:buNone/>
+            </a:pPr>
+            <a:r>
+              <a:rPr lang="en">
+                <a:solidFill>
+                  <a:srgbClr val="3C78D8"/>
+                </a:solidFill>
+              </a:rPr>
+              <a:t>Selector</a:t>
+            </a:r>
+            <a:r>
+              <a:rPr lang="en">
+                <a:solidFill>
+                  <a:srgbClr val="1155CC"/>
+                </a:solidFill>
+              </a:rPr>
+              <a:t> </a:t>
+            </a:r>
+            <a:r>
+              <a:rPr lang="en">
+                <a:solidFill>
+                  <a:schemeClr val="dk1"/>
+                </a:solidFill>
+              </a:rPr>
+              <a:t>{</a:t>
+            </a:r>
+            <a:endParaRPr>
+              <a:solidFill>
+                <a:schemeClr val="dk1"/>
+              </a:solidFill>
+            </a:endParaRPr>
+          </a:p>
+        </p:txBody>
+      </p:sp>
+      <p:sp>
+        <p:nvSpPr>
+          <p:cNvPr id="126" name="Google Shape;126;g10adc5e3a03_0_14"/>
+          <p:cNvSpPr txBox="1"/>
+          <p:nvPr/>
+        </p:nvSpPr>
+        <p:spPr>
+          <a:xfrm>
+            <a:off x="3004075" y="1727400"/>
+            <a:ext cx="4292400" cy="400200"/>
+          </a:xfrm>
+          <a:prstGeom prst="rect">
+            <a:avLst/>
+          </a:prstGeom>
+          <a:noFill/>
+          <a:ln>
+            <a:noFill/>
+          </a:ln>
+        </p:spPr>
+        <p:txBody>
+          <a:bodyPr anchorCtr="0" anchor="t" bIns="91425" lIns="91425" spcFirstLastPara="1" rIns="91425" wrap="square" tIns="91425">
+            <a:spAutoFit/>
+          </a:bodyPr>
+          <a:lstStyle/>
+          <a:p>
+            <a:pPr indent="0" lvl="0" marL="457200" rtl="0" algn="l">
+              <a:spcBef>
+                <a:spcPts val="0"/>
+              </a:spcBef>
+              <a:spcAft>
+                <a:spcPts val="0"/>
+              </a:spcAft>
+              <a:buNone/>
+            </a:pPr>
+            <a:r>
+              <a:rPr lang="en">
+                <a:solidFill>
+                  <a:srgbClr val="E69138"/>
+                </a:solidFill>
+              </a:rPr>
+              <a:t>property1: value1;</a:t>
+            </a:r>
+            <a:endParaRPr>
+              <a:solidFill>
+                <a:srgbClr val="E69138"/>
+              </a:solidFill>
+            </a:endParaRPr>
+          </a:p>
+        </p:txBody>
+      </p:sp>
+      <p:sp>
+        <p:nvSpPr>
+          <p:cNvPr id="127" name="Google Shape;127;g10adc5e3a03_0_14"/>
+          <p:cNvSpPr txBox="1"/>
+          <p:nvPr/>
+        </p:nvSpPr>
+        <p:spPr>
+          <a:xfrm>
+            <a:off x="3004075" y="2011450"/>
+            <a:ext cx="4292400" cy="400200"/>
+          </a:xfrm>
+          <a:prstGeom prst="rect">
+            <a:avLst/>
+          </a:prstGeom>
+          <a:noFill/>
+          <a:ln>
+            <a:noFill/>
+          </a:ln>
+        </p:spPr>
+        <p:txBody>
+          <a:bodyPr anchorCtr="0" anchor="t" bIns="91425" lIns="91425" spcFirstLastPara="1" rIns="91425" wrap="square" tIns="91425">
+            <a:spAutoFit/>
+          </a:bodyPr>
+          <a:lstStyle/>
+          <a:p>
+            <a:pPr indent="457200" lvl="0" marL="0" rtl="0" algn="l">
+              <a:spcBef>
+                <a:spcPts val="0"/>
+              </a:spcBef>
+              <a:spcAft>
+                <a:spcPts val="0"/>
+              </a:spcAft>
+              <a:buNone/>
+            </a:pPr>
+            <a:r>
+              <a:rPr lang="en">
+                <a:solidFill>
+                  <a:srgbClr val="E69138"/>
+                </a:solidFill>
+              </a:rPr>
+              <a:t>property2: value2;</a:t>
+            </a:r>
+            <a:endParaRPr>
+              <a:solidFill>
+                <a:srgbClr val="E69138"/>
+              </a:solidFill>
+            </a:endParaRPr>
+          </a:p>
+        </p:txBody>
+      </p:sp>
+      <p:sp>
+        <p:nvSpPr>
+          <p:cNvPr id="128" name="Google Shape;128;g10adc5e3a03_0_14"/>
+          <p:cNvSpPr txBox="1"/>
+          <p:nvPr/>
+        </p:nvSpPr>
+        <p:spPr>
+          <a:xfrm>
+            <a:off x="3004075" y="2296600"/>
+            <a:ext cx="4292400" cy="400200"/>
+          </a:xfrm>
+          <a:prstGeom prst="rect">
+            <a:avLst/>
+          </a:prstGeom>
+          <a:noFill/>
+          <a:ln>
+            <a:noFill/>
+          </a:ln>
+        </p:spPr>
+        <p:txBody>
+          <a:bodyPr anchorCtr="0" anchor="t" bIns="91425" lIns="91425" spcFirstLastPara="1" rIns="91425" wrap="square" tIns="91425">
+            <a:spAutoFit/>
+          </a:bodyPr>
+          <a:lstStyle/>
+          <a:p>
+            <a:pPr indent="0" lvl="0" marL="0" rtl="0" algn="l">
+              <a:spcBef>
+                <a:spcPts val="0"/>
+              </a:spcBef>
+              <a:spcAft>
+                <a:spcPts val="0"/>
+              </a:spcAft>
+              <a:buNone/>
+            </a:pPr>
+            <a:r>
+              <a:rPr lang="en">
+                <a:solidFill>
+                  <a:schemeClr val="dk1"/>
+                </a:solidFill>
+              </a:rPr>
+              <a:t>}</a:t>
+            </a:r>
+            <a:endParaRPr>
+              <a:solidFill>
+                <a:schemeClr val="dk1"/>
+              </a:solidFill>
+            </a:endParaRPr>
+          </a:p>
+        </p:txBody>
+      </p:sp>
+      <p:pic>
+        <p:nvPicPr>
+          <p:cNvPr id="129" name="Google Shape;129;g10adc5e3a03_0_14"/>
+          <p:cNvPicPr preferRelativeResize="0"/>
+          <p:nvPr/>
+        </p:nvPicPr>
+        <p:blipFill>
+          <a:blip r:embed="rId3">
+            <a:alphaModFix/>
+          </a:blip>
+          <a:stretch>
+            <a:fillRect/>
+          </a:stretch>
+        </p:blipFill>
+        <p:spPr>
+          <a:xfrm>
+            <a:off x="6301700" y="3092100"/>
+            <a:ext cx="2699275" cy="1950632"/>
+          </a:xfrm>
+          <a:prstGeom prst="rect">
+            <a:avLst/>
+          </a:prstGeom>
+          <a:noFill/>
+          <a:ln>
+            <a:noFill/>
+          </a:ln>
+        </p:spPr>
+      </p:pic>
+      <p:sp>
+        <p:nvSpPr>
+          <p:cNvPr id="130" name="Google Shape;130;g10adc5e3a03_0_14"/>
+          <p:cNvSpPr txBox="1"/>
+          <p:nvPr/>
+        </p:nvSpPr>
+        <p:spPr>
+          <a:xfrm>
+            <a:off x="-42325" y="255775"/>
+            <a:ext cx="9144000" cy="572700"/>
+          </a:xfrm>
+          <a:prstGeom prst="rect">
+            <a:avLst/>
+          </a:prstGeom>
+          <a:noFill/>
+          <a:ln>
+            <a:noFill/>
+          </a:ln>
+        </p:spPr>
+        <p:txBody>
+          <a:bodyPr anchorCtr="0" anchor="t" bIns="91425" lIns="91425" spcFirstLastPara="1" rIns="91425" wrap="square" tIns="91425">
+            <a:noAutofit/>
+          </a:bodyPr>
+          <a:lstStyle/>
+          <a:p>
+            <a:pPr indent="0" lvl="0" marL="0" rtl="0" algn="ctr">
+              <a:spcBef>
+                <a:spcPts val="0"/>
+              </a:spcBef>
+              <a:spcAft>
+                <a:spcPts val="0"/>
+              </a:spcAft>
+              <a:buClr>
+                <a:srgbClr val="000000"/>
+              </a:buClr>
+              <a:buSzPts val="1000"/>
+              <a:buFont typeface="Arial"/>
+              <a:buNone/>
+            </a:pPr>
+            <a:r>
+              <a:rPr b="1" lang="en" sz="1800">
+                <a:solidFill>
+                  <a:srgbClr val="3C78D8"/>
+                </a:solidFill>
+              </a:rPr>
+              <a:t>Properties</a:t>
+            </a:r>
+            <a:endParaRPr b="1" i="0" sz="1800" u="none" cap="none" strike="noStrike">
+              <a:solidFill>
+                <a:srgbClr val="3C78D8"/>
+              </a:solidFill>
+              <a:latin typeface="Arial"/>
+              <a:ea typeface="Arial"/>
+              <a:cs typeface="Arial"/>
+              <a:sym typeface="Arial"/>
+            </a:endParaRPr>
+          </a:p>
+        </p:txBody>
+      </p:sp>
+      <p:sp>
+        <p:nvSpPr>
+          <p:cNvPr id="131" name="Google Shape;131;g10adc5e3a03_0_14"/>
+          <p:cNvSpPr/>
+          <p:nvPr/>
+        </p:nvSpPr>
+        <p:spPr>
+          <a:xfrm>
+            <a:off x="16050" y="24750"/>
+            <a:ext cx="9111900" cy="5094000"/>
+          </a:xfrm>
+          <a:prstGeom prst="rect">
+            <a:avLst/>
+          </a:prstGeom>
+          <a:noFill/>
+          <a:ln cap="flat" cmpd="sng" w="9525">
+            <a:solidFill>
+              <a:srgbClr val="1155CC"/>
+            </a:solidFill>
+            <a:prstDash val="solid"/>
+            <a:round/>
+            <a:headEnd len="sm" w="sm" type="none"/>
+            <a:tailEnd len="sm" w="sm" type="none"/>
+          </a:ln>
+        </p:spPr>
+        <p:txBody>
+          <a:bodyPr anchorCtr="0" anchor="ctr" bIns="91425" lIns="91425" spcFirstLastPara="1" rIns="91425" wrap="square" tIns="91425">
+            <a:noAutofit/>
+          </a:bodyPr>
+          <a:lstStyle/>
+          <a:p>
+            <a:pPr indent="0" lvl="0" marL="0" marR="0" rtl="0" algn="l">
+              <a:lnSpc>
+                <a:spcPct val="100000"/>
+              </a:lnSpc>
+              <a:spcBef>
+                <a:spcPts val="0"/>
+              </a:spcBef>
+              <a:spcAft>
+                <a:spcPts val="0"/>
+              </a:spcAft>
+              <a:buClr>
+                <a:srgbClr val="000000"/>
+              </a:buClr>
+              <a:buSzPts val="1400"/>
+              <a:buFont typeface="Arial"/>
+              <a:buNone/>
+            </a:pPr>
+            <a:r>
+              <a:t/>
+            </a:r>
+            <a:endParaRPr b="0" i="0" sz="1400" u="none" cap="none" strike="noStrike">
+              <a:solidFill>
+                <a:srgbClr val="000000"/>
+              </a:solidFill>
+              <a:latin typeface="Arial"/>
+              <a:ea typeface="Arial"/>
+              <a:cs typeface="Arial"/>
+              <a:sym typeface="Arial"/>
+            </a:endParaRPr>
+          </a:p>
+        </p:txBody>
+      </p:sp>
+    </p:spTree>
+  </p:cSld>
+  <p:clrMapOvr>
+    <a:masterClrMapping/>
+  </p:clrMapOvr>
+  <p:timing>
+    <p:tnLst>
+      <p:par>
+        <p:cTn dur="indefinite" nodeType="tmRoot" restart="never">
+          <p:childTnLst>
+            <p:seq concurrent="1" nextAc="seek">
+              <p:cTn dur="indefinite" id="2" nodeType="mainSeq">
+                <p:childTnLst>
                   <p:par>
                     <p:cTn fill="hold">
                       <p:stCondLst>
@@ -14597,7 +14710,7 @@
                                           </p:stCondLst>
                                         </p:cTn>
                                         <p:tgtEl>
-                                          <p:spTgt spid="124"/>
+                                          <p:spTgt spid="117"/>
                                         </p:tgtEl>
                                         <p:attrNameLst>
                                           <p:attrName>style.visibility</p:attrName>
@@ -14611,7 +14724,7 @@
                                       <p:cBhvr>
                                         <p:cTn dur="1000"/>
                                         <p:tgtEl>
-                                          <p:spTgt spid="124"/>
+                                          <p:spTgt spid="117"/>
                                         </p:tgtEl>
                                       </p:cBhvr>
                                     </p:animEffect>
@@ -14650,7 +14763,7 @@
                                           </p:stCondLst>
                                         </p:cTn>
                                         <p:tgtEl>
-                                          <p:spTgt spid="117"/>
+                                          <p:spTgt spid="118"/>
                                         </p:tgtEl>
                                         <p:attrNameLst>
                                           <p:attrName>style.visibility</p:attrName>
@@ -14664,7 +14777,272 @@
                                       <p:cBhvr>
                                         <p:cTn dur="1000"/>
                                         <p:tgtEl>
-                                          <p:spTgt spid="117"/>
+                                          <p:spTgt spid="118"/>
+                                        </p:tgtEl>
+                                      </p:cBhvr>
+                                    </p:animEffect>
+                                  </p:childTnLst>
+                                </p:cTn>
+                              </p:par>
+                            </p:childTnLst>
+                          </p:cTn>
+                        </p:par>
+                      </p:childTnLst>
+                    </p:cTn>
+                  </p:par>
+                  <p:par>
+                    <p:cTn fill="hold">
+                      <p:stCondLst>
+                        <p:cond delay="indefinite"/>
+                      </p:stCondLst>
+                      <p:childTnLst>
+                        <p:par>
+                          <p:cTn fill="hold">
+                            <p:stCondLst>
+                              <p:cond delay="0"/>
+                            </p:stCondLst>
+                            <p:childTnLst>
+                              <p:par>
+                                <p:cTn fill="hold" nodeType="clickEffect" presetClass="entr" presetID="10" presetSubtype="0">
+                                  <p:stCondLst>
+                                    <p:cond delay="0"/>
+                                  </p:stCondLst>
+                                  <p:childTnLst>
+                                    <p:set>
+                                      <p:cBhvr>
+                                        <p:cTn dur="1" fill="hold">
+                                          <p:stCondLst>
+                                            <p:cond delay="0"/>
+                                          </p:stCondLst>
+                                        </p:cTn>
+                                        <p:tgtEl>
+                                          <p:spTgt spid="119"/>
+                                        </p:tgtEl>
+                                        <p:attrNameLst>
+                                          <p:attrName>style.visibility</p:attrName>
+                                        </p:attrNameLst>
+                                      </p:cBhvr>
+                                      <p:to>
+                                        <p:strVal val="visible"/>
+                                      </p:to>
+                                    </p:set>
+                                    <p:animEffect filter="fade" transition="in">
+                                      <p:cBhvr>
+                                        <p:cTn dur="1000"/>
+                                        <p:tgtEl>
+                                          <p:spTgt spid="119"/>
+                                        </p:tgtEl>
+                                      </p:cBhvr>
+                                    </p:animEffect>
+                                  </p:childTnLst>
+                                </p:cTn>
+                              </p:par>
+                            </p:childTnLst>
+                          </p:cTn>
+                        </p:par>
+                      </p:childTnLst>
+                    </p:cTn>
+                  </p:par>
+                  <p:par>
+                    <p:cTn fill="hold">
+                      <p:stCondLst>
+                        <p:cond delay="indefinite"/>
+                      </p:stCondLst>
+                      <p:childTnLst>
+                        <p:par>
+                          <p:cTn fill="hold">
+                            <p:stCondLst>
+                              <p:cond delay="0"/>
+                            </p:stCondLst>
+                            <p:childTnLst>
+                              <p:par>
+                                <p:cTn fill="hold" nodeType="clickEffect" presetClass="entr" presetID="10" presetSubtype="0">
+                                  <p:stCondLst>
+                                    <p:cond delay="0"/>
+                                  </p:stCondLst>
+                                  <p:childTnLst>
+                                    <p:set>
+                                      <p:cBhvr>
+                                        <p:cTn dur="1" fill="hold">
+                                          <p:stCondLst>
+                                            <p:cond delay="0"/>
+                                          </p:stCondLst>
+                                        </p:cTn>
+                                        <p:tgtEl>
+                                          <p:spTgt spid="120"/>
+                                        </p:tgtEl>
+                                        <p:attrNameLst>
+                                          <p:attrName>style.visibility</p:attrName>
+                                        </p:attrNameLst>
+                                      </p:cBhvr>
+                                      <p:to>
+                                        <p:strVal val="visible"/>
+                                      </p:to>
+                                    </p:set>
+                                    <p:animEffect filter="fade" transition="in">
+                                      <p:cBhvr>
+                                        <p:cTn dur="1000"/>
+                                        <p:tgtEl>
+                                          <p:spTgt spid="120"/>
+                                        </p:tgtEl>
+                                      </p:cBhvr>
+                                    </p:animEffect>
+                                  </p:childTnLst>
+                                </p:cTn>
+                              </p:par>
+                            </p:childTnLst>
+                          </p:cTn>
+                        </p:par>
+                      </p:childTnLst>
+                    </p:cTn>
+                  </p:par>
+                  <p:par>
+                    <p:cTn fill="hold">
+                      <p:stCondLst>
+                        <p:cond delay="indefinite"/>
+                      </p:stCondLst>
+                      <p:childTnLst>
+                        <p:par>
+                          <p:cTn fill="hold">
+                            <p:stCondLst>
+                              <p:cond delay="0"/>
+                            </p:stCondLst>
+                            <p:childTnLst>
+                              <p:par>
+                                <p:cTn fill="hold" nodeType="clickEffect" presetClass="entr" presetID="10" presetSubtype="0">
+                                  <p:stCondLst>
+                                    <p:cond delay="0"/>
+                                  </p:stCondLst>
+                                  <p:childTnLst>
+                                    <p:set>
+                                      <p:cBhvr>
+                                        <p:cTn dur="1" fill="hold">
+                                          <p:stCondLst>
+                                            <p:cond delay="0"/>
+                                          </p:stCondLst>
+                                        </p:cTn>
+                                        <p:tgtEl>
+                                          <p:spTgt spid="121"/>
+                                        </p:tgtEl>
+                                        <p:attrNameLst>
+                                          <p:attrName>style.visibility</p:attrName>
+                                        </p:attrNameLst>
+                                      </p:cBhvr>
+                                      <p:to>
+                                        <p:strVal val="visible"/>
+                                      </p:to>
+                                    </p:set>
+                                    <p:animEffect filter="fade" transition="in">
+                                      <p:cBhvr>
+                                        <p:cTn dur="1000"/>
+                                        <p:tgtEl>
+                                          <p:spTgt spid="121"/>
+                                        </p:tgtEl>
+                                      </p:cBhvr>
+                                    </p:animEffect>
+                                  </p:childTnLst>
+                                </p:cTn>
+                              </p:par>
+                            </p:childTnLst>
+                          </p:cTn>
+                        </p:par>
+                      </p:childTnLst>
+                    </p:cTn>
+                  </p:par>
+                  <p:par>
+                    <p:cTn fill="hold">
+                      <p:stCondLst>
+                        <p:cond delay="indefinite"/>
+                      </p:stCondLst>
+                      <p:childTnLst>
+                        <p:par>
+                          <p:cTn fill="hold">
+                            <p:stCondLst>
+                              <p:cond delay="0"/>
+                            </p:stCondLst>
+                            <p:childTnLst>
+                              <p:par>
+                                <p:cTn fill="hold" nodeType="clickEffect" presetClass="entr" presetID="10" presetSubtype="0">
+                                  <p:stCondLst>
+                                    <p:cond delay="0"/>
+                                  </p:stCondLst>
+                                  <p:childTnLst>
+                                    <p:set>
+                                      <p:cBhvr>
+                                        <p:cTn dur="1" fill="hold">
+                                          <p:stCondLst>
+                                            <p:cond delay="0"/>
+                                          </p:stCondLst>
+                                        </p:cTn>
+                                        <p:tgtEl>
+                                          <p:spTgt spid="129"/>
+                                        </p:tgtEl>
+                                        <p:attrNameLst>
+                                          <p:attrName>style.visibility</p:attrName>
+                                        </p:attrNameLst>
+                                      </p:cBhvr>
+                                      <p:to>
+                                        <p:strVal val="visible"/>
+                                      </p:to>
+                                    </p:set>
+                                    <p:animEffect filter="fade" transition="in">
+                                      <p:cBhvr>
+                                        <p:cTn dur="1000"/>
+                                        <p:tgtEl>
+                                          <p:spTgt spid="129"/>
+                                        </p:tgtEl>
+                                      </p:cBhvr>
+                                    </p:animEffect>
+                                  </p:childTnLst>
+                                </p:cTn>
+                              </p:par>
+                            </p:childTnLst>
+                          </p:cTn>
+                        </p:par>
+                      </p:childTnLst>
+                    </p:cTn>
+                  </p:par>
+                  <p:par>
+                    <p:cTn fill="hold">
+                      <p:stCondLst>
+                        <p:cond delay="indefinite"/>
+                      </p:stCondLst>
+                      <p:childTnLst>
+                        <p:par>
+                          <p:cTn fill="hold">
+                            <p:stCondLst>
+                              <p:cond delay="0"/>
+                            </p:stCondLst>
+                            <p:childTnLst>
+                              <p:par>
+                                <p:cTn fill="hold" nodeType="clickEffect" presetClass="entr" presetID="10" presetSubtype="0">
+                                  <p:stCondLst>
+                                    <p:cond delay="0"/>
+                                  </p:stCondLst>
+                                  <p:childTnLst>
+                                    <p:set>
+                                      <p:cBhvr>
+                                        <p:cTn dur="1" fill="hold">
+                                          <p:stCondLst>
+                                            <p:cond delay="0"/>
+                                          </p:stCondLst>
+                                        </p:cTn>
+                                        <p:tgtEl>
+                                          <p:spTgt spid="122"/>
+                                        </p:tgtEl>
+                                        <p:attrNameLst>
+                                          <p:attrName>style.visibility</p:attrName>
+                                        </p:attrNameLst>
+                                      </p:cBhvr>
+                                      <p:to>
+                                        <p:strVal val="visible"/>
+                                      </p:to>
+                                    </p:set>
+                                    <p:animEffect filter="fade" transition="in">
+                                      <p:cBhvr>
+                                        <p:cTn dur="1000"/>
+                                        <p:tgtEl>
+                                          <p:spTgt spid="122"/>
                                         </p:tgtEl>
                                       </p:cBhvr>
                                     </p:animEffect>
